--- a/lectures/02-SolidState.pptx
+++ b/lectures/02-SolidState.pptx
@@ -5,11 +5,15 @@
     <p:sldMasterId id="2147483648" r:id="rId1"/>
   </p:sldMasterIdLst>
   <p:notesMasterIdLst>
-    <p:notesMasterId r:id="rId4"/>
+    <p:notesMasterId r:id="rId8"/>
   </p:notesMasterIdLst>
   <p:sldIdLst>
     <p:sldId id="256" r:id="rId2"/>
     <p:sldId id="334" r:id="rId3"/>
+    <p:sldId id="335" r:id="rId4"/>
+    <p:sldId id="336" r:id="rId5"/>
+    <p:sldId id="338" r:id="rId6"/>
+    <p:sldId id="337" r:id="rId7"/>
   </p:sldIdLst>
   <p:sldSz cx="12192000" cy="6858000"/>
   <p:notesSz cx="6858000" cy="9144000"/>
@@ -198,7 +202,7 @@
           <a:p>
             <a:fld id="{1C74C8C0-0C1E-D447-A6DA-5BF9E732D1EF}" type="datetimeFigureOut">
               <a:rPr lang="en-US" smtClean="0"/>
-              <a:t>7/26/25</a:t>
+              <a:t>8/11/25</a:t>
             </a:fld>
             <a:endParaRPr lang="en-US"/>
           </a:p>
@@ -612,7 +616,7 @@
           <a:p>
             <a:fld id="{D5D8E255-8371-B349-B2F5-F8C6C9FF431B}" type="datetimeFigureOut">
               <a:rPr lang="en-US" smtClean="0"/>
-              <a:t>7/26/25</a:t>
+              <a:t>8/11/25</a:t>
             </a:fld>
             <a:endParaRPr lang="en-US"/>
           </a:p>
@@ -810,7 +814,7 @@
           <a:p>
             <a:fld id="{D5D8E255-8371-B349-B2F5-F8C6C9FF431B}" type="datetimeFigureOut">
               <a:rPr lang="en-US" smtClean="0"/>
-              <a:t>7/26/25</a:t>
+              <a:t>8/11/25</a:t>
             </a:fld>
             <a:endParaRPr lang="en-US"/>
           </a:p>
@@ -1018,7 +1022,7 @@
           <a:p>
             <a:fld id="{D5D8E255-8371-B349-B2F5-F8C6C9FF431B}" type="datetimeFigureOut">
               <a:rPr lang="en-US" smtClean="0"/>
-              <a:t>7/26/25</a:t>
+              <a:t>8/11/25</a:t>
             </a:fld>
             <a:endParaRPr lang="en-US"/>
           </a:p>
@@ -1216,7 +1220,7 @@
           <a:p>
             <a:fld id="{D5D8E255-8371-B349-B2F5-F8C6C9FF431B}" type="datetimeFigureOut">
               <a:rPr lang="en-US" smtClean="0"/>
-              <a:t>7/26/25</a:t>
+              <a:t>8/11/25</a:t>
             </a:fld>
             <a:endParaRPr lang="en-US"/>
           </a:p>
@@ -1491,7 +1495,7 @@
           <a:p>
             <a:fld id="{D5D8E255-8371-B349-B2F5-F8C6C9FF431B}" type="datetimeFigureOut">
               <a:rPr lang="en-US" smtClean="0"/>
-              <a:t>7/26/25</a:t>
+              <a:t>8/11/25</a:t>
             </a:fld>
             <a:endParaRPr lang="en-US"/>
           </a:p>
@@ -1756,7 +1760,7 @@
           <a:p>
             <a:fld id="{D5D8E255-8371-B349-B2F5-F8C6C9FF431B}" type="datetimeFigureOut">
               <a:rPr lang="en-US" smtClean="0"/>
-              <a:t>7/26/25</a:t>
+              <a:t>8/11/25</a:t>
             </a:fld>
             <a:endParaRPr lang="en-US"/>
           </a:p>
@@ -2168,7 +2172,7 @@
           <a:p>
             <a:fld id="{D5D8E255-8371-B349-B2F5-F8C6C9FF431B}" type="datetimeFigureOut">
               <a:rPr lang="en-US" smtClean="0"/>
-              <a:t>7/26/25</a:t>
+              <a:t>8/11/25</a:t>
             </a:fld>
             <a:endParaRPr lang="en-US"/>
           </a:p>
@@ -2309,7 +2313,7 @@
           <a:p>
             <a:fld id="{D5D8E255-8371-B349-B2F5-F8C6C9FF431B}" type="datetimeFigureOut">
               <a:rPr lang="en-US" smtClean="0"/>
-              <a:t>7/26/25</a:t>
+              <a:t>8/11/25</a:t>
             </a:fld>
             <a:endParaRPr lang="en-US"/>
           </a:p>
@@ -2422,7 +2426,7 @@
           <a:p>
             <a:fld id="{D5D8E255-8371-B349-B2F5-F8C6C9FF431B}" type="datetimeFigureOut">
               <a:rPr lang="en-US" smtClean="0"/>
-              <a:t>7/26/25</a:t>
+              <a:t>8/11/25</a:t>
             </a:fld>
             <a:endParaRPr lang="en-US"/>
           </a:p>
@@ -2733,7 +2737,7 @@
           <a:p>
             <a:fld id="{D5D8E255-8371-B349-B2F5-F8C6C9FF431B}" type="datetimeFigureOut">
               <a:rPr lang="en-US" smtClean="0"/>
-              <a:t>7/26/25</a:t>
+              <a:t>8/11/25</a:t>
             </a:fld>
             <a:endParaRPr lang="en-US"/>
           </a:p>
@@ -3021,7 +3025,7 @@
           <a:p>
             <a:fld id="{D5D8E255-8371-B349-B2F5-F8C6C9FF431B}" type="datetimeFigureOut">
               <a:rPr lang="en-US" smtClean="0"/>
-              <a:t>7/26/25</a:t>
+              <a:t>8/11/25</a:t>
             </a:fld>
             <a:endParaRPr lang="en-US"/>
           </a:p>
@@ -3262,7 +3266,7 @@
           <a:p>
             <a:fld id="{D5D8E255-8371-B349-B2F5-F8C6C9FF431B}" type="datetimeFigureOut">
               <a:rPr lang="en-US" smtClean="0"/>
-              <a:t>7/26/25</a:t>
+              <a:t>8/11/25</a:t>
             </a:fld>
             <a:endParaRPr lang="en-US"/>
           </a:p>
@@ -3911,6 +3915,3133 @@
     <p:extLst>
       <p:ext uri="{BB962C8B-B14F-4D97-AF65-F5344CB8AC3E}">
         <p14:creationId xmlns:p14="http://schemas.microsoft.com/office/powerpoint/2010/main" val="666961938"/>
+      </p:ext>
+    </p:extLst>
+  </p:cSld>
+  <p:clrMapOvr>
+    <a:masterClrMapping/>
+  </p:clrMapOvr>
+</p:sld>
+</file>
+
+<file path=ppt/slides/slide3.xml><?xml version="1.0" encoding="utf-8"?>
+<p:sld xmlns:a="http://schemas.openxmlformats.org/drawingml/2006/main" xmlns:r="http://schemas.openxmlformats.org/officeDocument/2006/relationships" xmlns:p="http://schemas.openxmlformats.org/presentationml/2006/main">
+  <p:cSld>
+    <p:spTree>
+      <p:nvGrpSpPr>
+        <p:cNvPr id="1" name=""/>
+        <p:cNvGrpSpPr/>
+        <p:nvPr/>
+      </p:nvGrpSpPr>
+      <p:grpSpPr>
+        <a:xfrm>
+          <a:off x="0" y="0"/>
+          <a:ext cx="0" cy="0"/>
+          <a:chOff x="0" y="0"/>
+          <a:chExt cx="0" cy="0"/>
+        </a:xfrm>
+      </p:grpSpPr>
+      <p:sp>
+        <p:nvSpPr>
+          <p:cNvPr id="67" name="Right Arrow 66">
+            <a:extLst>
+              <a:ext uri="{FF2B5EF4-FFF2-40B4-BE49-F238E27FC236}">
+                <a16:creationId xmlns:a16="http://schemas.microsoft.com/office/drawing/2014/main" id="{754158E9-138C-8756-626D-C7760C542A24}"/>
+              </a:ext>
+            </a:extLst>
+          </p:cNvPr>
+          <p:cNvSpPr/>
+          <p:nvPr/>
+        </p:nvSpPr>
+        <p:spPr>
+          <a:xfrm rot="16200000">
+            <a:off x="9623749" y="3916809"/>
+            <a:ext cx="438528" cy="644989"/>
+          </a:xfrm>
+          <a:prstGeom prst="rightArrow">
+            <a:avLst>
+              <a:gd name="adj1" fmla="val 50000"/>
+              <a:gd name="adj2" fmla="val 35014"/>
+            </a:avLst>
+          </a:prstGeom>
+          <a:gradFill flip="none" rotWithShape="1">
+            <a:gsLst>
+              <a:gs pos="0">
+                <a:schemeClr val="accent1">
+                  <a:tint val="66000"/>
+                  <a:satMod val="160000"/>
+                </a:schemeClr>
+              </a:gs>
+              <a:gs pos="50000">
+                <a:schemeClr val="accent1">
+                  <a:tint val="44500"/>
+                  <a:satMod val="160000"/>
+                </a:schemeClr>
+              </a:gs>
+              <a:gs pos="100000">
+                <a:schemeClr val="accent1">
+                  <a:tint val="23500"/>
+                  <a:satMod val="160000"/>
+                </a:schemeClr>
+              </a:gs>
+            </a:gsLst>
+            <a:path path="circle">
+              <a:fillToRect l="100000" b="100000"/>
+            </a:path>
+            <a:tileRect t="-100000" r="-100000"/>
+          </a:gradFill>
+          <a:ln>
+            <a:noFill/>
+          </a:ln>
+        </p:spPr>
+        <p:style>
+          <a:lnRef idx="2">
+            <a:schemeClr val="accent1">
+              <a:shade val="15000"/>
+            </a:schemeClr>
+          </a:lnRef>
+          <a:fillRef idx="1">
+            <a:schemeClr val="accent1"/>
+          </a:fillRef>
+          <a:effectRef idx="0">
+            <a:schemeClr val="accent1"/>
+          </a:effectRef>
+          <a:fontRef idx="minor">
+            <a:schemeClr val="lt1"/>
+          </a:fontRef>
+        </p:style>
+        <p:txBody>
+          <a:bodyPr rtlCol="0" anchor="ctr"/>
+          <a:lstStyle/>
+          <a:p>
+            <a:pPr algn="ctr"/>
+            <a:endParaRPr lang="en-US"/>
+          </a:p>
+        </p:txBody>
+      </p:sp>
+      <p:sp>
+        <p:nvSpPr>
+          <p:cNvPr id="2" name="Title 1">
+            <a:extLst>
+              <a:ext uri="{FF2B5EF4-FFF2-40B4-BE49-F238E27FC236}">
+                <a16:creationId xmlns:a16="http://schemas.microsoft.com/office/drawing/2014/main" id="{63BBE0F9-BA14-A320-9722-E6D9E7E93820}"/>
+              </a:ext>
+            </a:extLst>
+          </p:cNvPr>
+          <p:cNvSpPr>
+            <a:spLocks noGrp="1"/>
+          </p:cNvSpPr>
+          <p:nvPr>
+            <p:ph type="title"/>
+          </p:nvPr>
+        </p:nvSpPr>
+        <p:spPr/>
+        <p:txBody>
+          <a:bodyPr/>
+          <a:lstStyle/>
+          <a:p>
+            <a:r>
+              <a:rPr lang="en-US" dirty="0"/>
+              <a:t>Valves / Tubes / Vacuum Tubes</a:t>
+            </a:r>
+          </a:p>
+        </p:txBody>
+      </p:sp>
+      <p:sp>
+        <p:nvSpPr>
+          <p:cNvPr id="3" name="Content Placeholder 2">
+            <a:extLst>
+              <a:ext uri="{FF2B5EF4-FFF2-40B4-BE49-F238E27FC236}">
+                <a16:creationId xmlns:a16="http://schemas.microsoft.com/office/drawing/2014/main" id="{E249B857-7423-805D-C5AB-71999ECE0069}"/>
+              </a:ext>
+            </a:extLst>
+          </p:cNvPr>
+          <p:cNvSpPr>
+            <a:spLocks noGrp="1"/>
+          </p:cNvSpPr>
+          <p:nvPr>
+            <p:ph idx="1"/>
+          </p:nvPr>
+        </p:nvSpPr>
+        <p:spPr>
+          <a:xfrm>
+            <a:off x="838200" y="1825625"/>
+            <a:ext cx="6517193" cy="4351338"/>
+          </a:xfrm>
+        </p:spPr>
+        <p:txBody>
+          <a:bodyPr/>
+          <a:lstStyle/>
+          <a:p>
+            <a:r>
+              <a:rPr lang="en-US" dirty="0"/>
+              <a:t>The first purely electronic devices to store data and do computations were called "Valves" in the UK</a:t>
+            </a:r>
+          </a:p>
+          <a:p>
+            <a:pPr lvl="1"/>
+            <a:r>
+              <a:rPr lang="en-US" dirty="0"/>
+              <a:t>About 1000 times faster than physical relays</a:t>
+            </a:r>
+          </a:p>
+          <a:p>
+            <a:r>
+              <a:rPr lang="en-US" dirty="0"/>
+              <a:t>Designed to amplify analog signals</a:t>
+            </a:r>
+          </a:p>
+          <a:p>
+            <a:r>
+              <a:rPr lang="en-US" dirty="0"/>
+              <a:t>Early application long distance analog telephone calls – needed an amplifier every 10 miles or so</a:t>
+            </a:r>
+          </a:p>
+          <a:p>
+            <a:r>
+              <a:rPr lang="en-US" dirty="0"/>
+              <a:t>Tube was invented in 1912 Dr. Lee Deforest</a:t>
+            </a:r>
+          </a:p>
+        </p:txBody>
+      </p:sp>
+      <p:sp>
+        <p:nvSpPr>
+          <p:cNvPr id="4" name="Oval 3">
+            <a:extLst>
+              <a:ext uri="{FF2B5EF4-FFF2-40B4-BE49-F238E27FC236}">
+                <a16:creationId xmlns:a16="http://schemas.microsoft.com/office/drawing/2014/main" id="{01B81F70-64E3-2C82-A583-6D0C56D4311B}"/>
+              </a:ext>
+            </a:extLst>
+          </p:cNvPr>
+          <p:cNvSpPr/>
+          <p:nvPr/>
+        </p:nvSpPr>
+        <p:spPr>
+          <a:xfrm>
+            <a:off x="9286486" y="3700305"/>
+            <a:ext cx="1107831" cy="1107831"/>
+          </a:xfrm>
+          <a:prstGeom prst="ellipse">
+            <a:avLst/>
+          </a:prstGeom>
+          <a:noFill/>
+          <a:ln w="38100">
+            <a:solidFill>
+              <a:schemeClr val="tx1"/>
+            </a:solidFill>
+          </a:ln>
+        </p:spPr>
+        <p:style>
+          <a:lnRef idx="2">
+            <a:schemeClr val="accent1">
+              <a:shade val="15000"/>
+            </a:schemeClr>
+          </a:lnRef>
+          <a:fillRef idx="1">
+            <a:schemeClr val="accent1"/>
+          </a:fillRef>
+          <a:effectRef idx="0">
+            <a:schemeClr val="accent1"/>
+          </a:effectRef>
+          <a:fontRef idx="minor">
+            <a:schemeClr val="lt1"/>
+          </a:fontRef>
+        </p:style>
+        <p:txBody>
+          <a:bodyPr rtlCol="0" anchor="ctr"/>
+          <a:lstStyle/>
+          <a:p>
+            <a:pPr algn="ctr"/>
+            <a:endParaRPr lang="en-US"/>
+          </a:p>
+        </p:txBody>
+      </p:sp>
+      <p:cxnSp>
+        <p:nvCxnSpPr>
+          <p:cNvPr id="6" name="Straight Connector 5">
+            <a:extLst>
+              <a:ext uri="{FF2B5EF4-FFF2-40B4-BE49-F238E27FC236}">
+                <a16:creationId xmlns:a16="http://schemas.microsoft.com/office/drawing/2014/main" id="{335AFF37-C9AD-FC5F-55F4-EAB982525207}"/>
+              </a:ext>
+            </a:extLst>
+          </p:cNvPr>
+          <p:cNvCxnSpPr>
+            <a:cxnSpLocks/>
+          </p:cNvCxnSpPr>
+          <p:nvPr/>
+        </p:nvCxnSpPr>
+        <p:spPr>
+          <a:xfrm>
+            <a:off x="9568476" y="3994273"/>
+            <a:ext cx="543850" cy="0"/>
+          </a:xfrm>
+          <a:prstGeom prst="line">
+            <a:avLst/>
+          </a:prstGeom>
+          <a:ln w="38100">
+            <a:solidFill>
+              <a:schemeClr val="tx1"/>
+            </a:solidFill>
+          </a:ln>
+        </p:spPr>
+        <p:style>
+          <a:lnRef idx="1">
+            <a:schemeClr val="accent1"/>
+          </a:lnRef>
+          <a:fillRef idx="0">
+            <a:schemeClr val="accent1"/>
+          </a:fillRef>
+          <a:effectRef idx="0">
+            <a:schemeClr val="accent1"/>
+          </a:effectRef>
+          <a:fontRef idx="minor">
+            <a:schemeClr val="tx1"/>
+          </a:fontRef>
+        </p:style>
+      </p:cxnSp>
+      <p:grpSp>
+        <p:nvGrpSpPr>
+          <p:cNvPr id="31" name="Group 30">
+            <a:extLst>
+              <a:ext uri="{FF2B5EF4-FFF2-40B4-BE49-F238E27FC236}">
+                <a16:creationId xmlns:a16="http://schemas.microsoft.com/office/drawing/2014/main" id="{D607D903-E3A4-A877-F214-632D651712F8}"/>
+              </a:ext>
+            </a:extLst>
+          </p:cNvPr>
+          <p:cNvGrpSpPr/>
+          <p:nvPr/>
+        </p:nvGrpSpPr>
+        <p:grpSpPr>
+          <a:xfrm>
+            <a:off x="9597413" y="4514291"/>
+            <a:ext cx="485977" cy="130560"/>
+            <a:chOff x="4096796" y="4190231"/>
+            <a:chExt cx="4302808" cy="1155969"/>
+          </a:xfrm>
+        </p:grpSpPr>
+        <p:cxnSp>
+          <p:nvCxnSpPr>
+            <p:cNvPr id="22" name="Straight Connector 21">
+              <a:extLst>
+                <a:ext uri="{FF2B5EF4-FFF2-40B4-BE49-F238E27FC236}">
+                  <a16:creationId xmlns:a16="http://schemas.microsoft.com/office/drawing/2014/main" id="{DADD4142-B17B-244A-926D-5C34B7E5D30E}"/>
+                </a:ext>
+              </a:extLst>
+            </p:cNvPr>
+            <p:cNvCxnSpPr>
+              <a:cxnSpLocks/>
+            </p:cNvCxnSpPr>
+            <p:nvPr/>
+          </p:nvCxnSpPr>
+          <p:spPr>
+            <a:xfrm flipV="1">
+              <a:off x="4553578" y="4190231"/>
+              <a:ext cx="3384863" cy="14288"/>
+            </a:xfrm>
+            <a:prstGeom prst="line">
+              <a:avLst/>
+            </a:prstGeom>
+            <a:ln w="38100">
+              <a:solidFill>
+                <a:schemeClr val="tx1"/>
+              </a:solidFill>
+            </a:ln>
+          </p:spPr>
+          <p:style>
+            <a:lnRef idx="1">
+              <a:schemeClr val="accent1"/>
+            </a:lnRef>
+            <a:fillRef idx="0">
+              <a:schemeClr val="accent1"/>
+            </a:fillRef>
+            <a:effectRef idx="0">
+              <a:schemeClr val="accent1"/>
+            </a:effectRef>
+            <a:fontRef idx="minor">
+              <a:schemeClr val="tx1"/>
+            </a:fontRef>
+          </p:style>
+        </p:cxnSp>
+        <p:cxnSp>
+          <p:nvCxnSpPr>
+            <p:cNvPr id="24" name="Straight Connector 23">
+              <a:extLst>
+                <a:ext uri="{FF2B5EF4-FFF2-40B4-BE49-F238E27FC236}">
+                  <a16:creationId xmlns:a16="http://schemas.microsoft.com/office/drawing/2014/main" id="{E6593420-0152-7EBB-15D6-9C467CFC5727}"/>
+                </a:ext>
+              </a:extLst>
+            </p:cNvPr>
+            <p:cNvCxnSpPr>
+              <a:cxnSpLocks/>
+            </p:cNvCxnSpPr>
+            <p:nvPr/>
+          </p:nvCxnSpPr>
+          <p:spPr>
+            <a:xfrm flipH="1">
+              <a:off x="4096796" y="4190231"/>
+              <a:ext cx="461163" cy="1155969"/>
+            </a:xfrm>
+            <a:prstGeom prst="line">
+              <a:avLst/>
+            </a:prstGeom>
+            <a:ln w="38100">
+              <a:solidFill>
+                <a:schemeClr val="tx1"/>
+              </a:solidFill>
+            </a:ln>
+          </p:spPr>
+          <p:style>
+            <a:lnRef idx="1">
+              <a:schemeClr val="accent1"/>
+            </a:lnRef>
+            <a:fillRef idx="0">
+              <a:schemeClr val="accent1"/>
+            </a:fillRef>
+            <a:effectRef idx="0">
+              <a:schemeClr val="accent1"/>
+            </a:effectRef>
+            <a:fontRef idx="minor">
+              <a:schemeClr val="tx1"/>
+            </a:fontRef>
+          </p:style>
+        </p:cxnSp>
+        <p:cxnSp>
+          <p:nvCxnSpPr>
+            <p:cNvPr id="27" name="Straight Connector 26">
+              <a:extLst>
+                <a:ext uri="{FF2B5EF4-FFF2-40B4-BE49-F238E27FC236}">
+                  <a16:creationId xmlns:a16="http://schemas.microsoft.com/office/drawing/2014/main" id="{4CA421DD-0286-65DA-314E-0C661431BEAF}"/>
+                </a:ext>
+              </a:extLst>
+            </p:cNvPr>
+            <p:cNvCxnSpPr>
+              <a:cxnSpLocks/>
+            </p:cNvCxnSpPr>
+            <p:nvPr/>
+          </p:nvCxnSpPr>
+          <p:spPr>
+            <a:xfrm>
+              <a:off x="7938441" y="4190231"/>
+              <a:ext cx="461163" cy="1155969"/>
+            </a:xfrm>
+            <a:prstGeom prst="line">
+              <a:avLst/>
+            </a:prstGeom>
+            <a:ln w="38100">
+              <a:solidFill>
+                <a:schemeClr val="tx1"/>
+              </a:solidFill>
+            </a:ln>
+          </p:spPr>
+          <p:style>
+            <a:lnRef idx="1">
+              <a:schemeClr val="accent1"/>
+            </a:lnRef>
+            <a:fillRef idx="0">
+              <a:schemeClr val="accent1"/>
+            </a:fillRef>
+            <a:effectRef idx="0">
+              <a:schemeClr val="accent1"/>
+            </a:effectRef>
+            <a:fontRef idx="minor">
+              <a:schemeClr val="tx1"/>
+            </a:fontRef>
+          </p:style>
+        </p:cxnSp>
+      </p:grpSp>
+      <p:cxnSp>
+        <p:nvCxnSpPr>
+          <p:cNvPr id="33" name="Straight Connector 32">
+            <a:extLst>
+              <a:ext uri="{FF2B5EF4-FFF2-40B4-BE49-F238E27FC236}">
+                <a16:creationId xmlns:a16="http://schemas.microsoft.com/office/drawing/2014/main" id="{B94B6FE3-666B-7FDE-ED62-C9A8EF17533C}"/>
+              </a:ext>
+            </a:extLst>
+          </p:cNvPr>
+          <p:cNvCxnSpPr>
+            <a:cxnSpLocks/>
+          </p:cNvCxnSpPr>
+          <p:nvPr/>
+        </p:nvCxnSpPr>
+        <p:spPr>
+          <a:xfrm>
+            <a:off x="9514024" y="4254220"/>
+            <a:ext cx="652755" cy="0"/>
+          </a:xfrm>
+          <a:prstGeom prst="line">
+            <a:avLst/>
+          </a:prstGeom>
+          <a:ln w="38100">
+            <a:solidFill>
+              <a:schemeClr val="tx1"/>
+            </a:solidFill>
+            <a:prstDash val="sysDash"/>
+          </a:ln>
+        </p:spPr>
+        <p:style>
+          <a:lnRef idx="1">
+            <a:schemeClr val="accent1"/>
+          </a:lnRef>
+          <a:fillRef idx="0">
+            <a:schemeClr val="accent1"/>
+          </a:fillRef>
+          <a:effectRef idx="0">
+            <a:schemeClr val="accent1"/>
+          </a:effectRef>
+          <a:fontRef idx="minor">
+            <a:schemeClr val="tx1"/>
+          </a:fontRef>
+        </p:style>
+      </p:cxnSp>
+      <p:cxnSp>
+        <p:nvCxnSpPr>
+          <p:cNvPr id="36" name="Straight Connector 35">
+            <a:extLst>
+              <a:ext uri="{FF2B5EF4-FFF2-40B4-BE49-F238E27FC236}">
+                <a16:creationId xmlns:a16="http://schemas.microsoft.com/office/drawing/2014/main" id="{38FBA8AA-FC58-2DA7-89DA-3BD9A85D82DC}"/>
+              </a:ext>
+            </a:extLst>
+          </p:cNvPr>
+          <p:cNvCxnSpPr>
+            <a:cxnSpLocks/>
+          </p:cNvCxnSpPr>
+          <p:nvPr/>
+        </p:nvCxnSpPr>
+        <p:spPr>
+          <a:xfrm>
+            <a:off x="8623295" y="4254220"/>
+            <a:ext cx="945181" cy="0"/>
+          </a:xfrm>
+          <a:prstGeom prst="line">
+            <a:avLst/>
+          </a:prstGeom>
+          <a:ln w="38100">
+            <a:solidFill>
+              <a:schemeClr val="accent2"/>
+            </a:solidFill>
+          </a:ln>
+        </p:spPr>
+        <p:style>
+          <a:lnRef idx="1">
+            <a:schemeClr val="accent1"/>
+          </a:lnRef>
+          <a:fillRef idx="0">
+            <a:schemeClr val="accent1"/>
+          </a:fillRef>
+          <a:effectRef idx="0">
+            <a:schemeClr val="accent1"/>
+          </a:effectRef>
+          <a:fontRef idx="minor">
+            <a:schemeClr val="tx1"/>
+          </a:fontRef>
+        </p:style>
+      </p:cxnSp>
+      <p:cxnSp>
+        <p:nvCxnSpPr>
+          <p:cNvPr id="37" name="Straight Connector 36">
+            <a:extLst>
+              <a:ext uri="{FF2B5EF4-FFF2-40B4-BE49-F238E27FC236}">
+                <a16:creationId xmlns:a16="http://schemas.microsoft.com/office/drawing/2014/main" id="{2660E417-626E-45E2-EE86-4CCFEE47ED8A}"/>
+              </a:ext>
+            </a:extLst>
+          </p:cNvPr>
+          <p:cNvCxnSpPr>
+            <a:cxnSpLocks/>
+          </p:cNvCxnSpPr>
+          <p:nvPr/>
+        </p:nvCxnSpPr>
+        <p:spPr>
+          <a:xfrm>
+            <a:off x="9840154" y="3009766"/>
+            <a:ext cx="0" cy="984507"/>
+          </a:xfrm>
+          <a:prstGeom prst="line">
+            <a:avLst/>
+          </a:prstGeom>
+          <a:ln w="38100">
+            <a:solidFill>
+              <a:srgbClr val="FF0000"/>
+            </a:solidFill>
+          </a:ln>
+        </p:spPr>
+        <p:style>
+          <a:lnRef idx="1">
+            <a:schemeClr val="accent1"/>
+          </a:lnRef>
+          <a:fillRef idx="0">
+            <a:schemeClr val="accent1"/>
+          </a:fillRef>
+          <a:effectRef idx="0">
+            <a:schemeClr val="accent1"/>
+          </a:effectRef>
+          <a:fontRef idx="minor">
+            <a:schemeClr val="tx1"/>
+          </a:fontRef>
+        </p:style>
+      </p:cxnSp>
+      <p:cxnSp>
+        <p:nvCxnSpPr>
+          <p:cNvPr id="40" name="Straight Connector 39">
+            <a:extLst>
+              <a:ext uri="{FF2B5EF4-FFF2-40B4-BE49-F238E27FC236}">
+                <a16:creationId xmlns:a16="http://schemas.microsoft.com/office/drawing/2014/main" id="{4A66DEA5-1BE2-99D3-4ECC-0F1E3D0EBD0A}"/>
+              </a:ext>
+            </a:extLst>
+          </p:cNvPr>
+          <p:cNvCxnSpPr>
+            <a:cxnSpLocks/>
+          </p:cNvCxnSpPr>
+          <p:nvPr/>
+        </p:nvCxnSpPr>
+        <p:spPr>
+          <a:xfrm>
+            <a:off x="9840154" y="4514291"/>
+            <a:ext cx="0" cy="578917"/>
+          </a:xfrm>
+          <a:prstGeom prst="line">
+            <a:avLst/>
+          </a:prstGeom>
+          <a:ln w="38100"/>
+        </p:spPr>
+        <p:style>
+          <a:lnRef idx="1">
+            <a:schemeClr val="accent1"/>
+          </a:lnRef>
+          <a:fillRef idx="0">
+            <a:schemeClr val="accent1"/>
+          </a:fillRef>
+          <a:effectRef idx="0">
+            <a:schemeClr val="accent1"/>
+          </a:effectRef>
+          <a:fontRef idx="minor">
+            <a:schemeClr val="tx1"/>
+          </a:fontRef>
+        </p:style>
+      </p:cxnSp>
+      <p:sp>
+        <p:nvSpPr>
+          <p:cNvPr id="41" name="TextBox 40">
+            <a:extLst>
+              <a:ext uri="{FF2B5EF4-FFF2-40B4-BE49-F238E27FC236}">
+                <a16:creationId xmlns:a16="http://schemas.microsoft.com/office/drawing/2014/main" id="{EA7D7E41-2764-905F-6B9A-84B8AC6B3FAB}"/>
+              </a:ext>
+            </a:extLst>
+          </p:cNvPr>
+          <p:cNvSpPr txBox="1"/>
+          <p:nvPr/>
+        </p:nvSpPr>
+        <p:spPr>
+          <a:xfrm>
+            <a:off x="9498963" y="2915877"/>
+            <a:ext cx="300082" cy="369332"/>
+          </a:xfrm>
+          <a:prstGeom prst="rect">
+            <a:avLst/>
+          </a:prstGeom>
+          <a:noFill/>
+        </p:spPr>
+        <p:txBody>
+          <a:bodyPr wrap="none" rtlCol="0">
+            <a:spAutoFit/>
+          </a:bodyPr>
+          <a:lstStyle/>
+          <a:p>
+            <a:r>
+              <a:rPr lang="en-US" dirty="0"/>
+              <a:t>+</a:t>
+            </a:r>
+          </a:p>
+        </p:txBody>
+      </p:sp>
+      <p:cxnSp>
+        <p:nvCxnSpPr>
+          <p:cNvPr id="42" name="Straight Connector 41">
+            <a:extLst>
+              <a:ext uri="{FF2B5EF4-FFF2-40B4-BE49-F238E27FC236}">
+                <a16:creationId xmlns:a16="http://schemas.microsoft.com/office/drawing/2014/main" id="{3B2466F5-EB59-8878-7973-52B7BA9F5FBD}"/>
+              </a:ext>
+            </a:extLst>
+          </p:cNvPr>
+          <p:cNvCxnSpPr>
+            <a:cxnSpLocks/>
+          </p:cNvCxnSpPr>
+          <p:nvPr/>
+        </p:nvCxnSpPr>
+        <p:spPr>
+          <a:xfrm>
+            <a:off x="9840154" y="3429000"/>
+            <a:ext cx="935363" cy="34401"/>
+          </a:xfrm>
+          <a:prstGeom prst="line">
+            <a:avLst/>
+          </a:prstGeom>
+          <a:ln w="38100">
+            <a:solidFill>
+              <a:schemeClr val="accent2"/>
+            </a:solidFill>
+          </a:ln>
+        </p:spPr>
+        <p:style>
+          <a:lnRef idx="1">
+            <a:schemeClr val="accent1"/>
+          </a:lnRef>
+          <a:fillRef idx="0">
+            <a:schemeClr val="accent1"/>
+          </a:fillRef>
+          <a:effectRef idx="0">
+            <a:schemeClr val="accent1"/>
+          </a:effectRef>
+          <a:fontRef idx="minor">
+            <a:schemeClr val="tx1"/>
+          </a:fontRef>
+        </p:style>
+      </p:cxnSp>
+      <p:sp>
+        <p:nvSpPr>
+          <p:cNvPr id="45" name="TextBox 44">
+            <a:extLst>
+              <a:ext uri="{FF2B5EF4-FFF2-40B4-BE49-F238E27FC236}">
+                <a16:creationId xmlns:a16="http://schemas.microsoft.com/office/drawing/2014/main" id="{0779E178-AEED-5C9A-D3EE-898270FC9B84}"/>
+              </a:ext>
+            </a:extLst>
+          </p:cNvPr>
+          <p:cNvSpPr txBox="1"/>
+          <p:nvPr/>
+        </p:nvSpPr>
+        <p:spPr>
+          <a:xfrm>
+            <a:off x="9618809" y="4963104"/>
+            <a:ext cx="499109" cy="584775"/>
+          </a:xfrm>
+          <a:prstGeom prst="rect">
+            <a:avLst/>
+          </a:prstGeom>
+          <a:noFill/>
+        </p:spPr>
+        <p:txBody>
+          <a:bodyPr wrap="square" rtlCol="0">
+            <a:spAutoFit/>
+          </a:bodyPr>
+          <a:lstStyle/>
+          <a:p>
+            <a:r>
+              <a:rPr lang="en-US" sz="3200" dirty="0">
+                <a:solidFill>
+                  <a:schemeClr val="accent1"/>
+                </a:solidFill>
+              </a:rPr>
+              <a:t>⏚</a:t>
+            </a:r>
+          </a:p>
+        </p:txBody>
+      </p:sp>
+      <p:pic>
+        <p:nvPicPr>
+          <p:cNvPr id="47" name="Picture 46" descr="A sound waveform with black background&#10;&#10;AI-generated content may be incorrect.">
+            <a:extLst>
+              <a:ext uri="{FF2B5EF4-FFF2-40B4-BE49-F238E27FC236}">
+                <a16:creationId xmlns:a16="http://schemas.microsoft.com/office/drawing/2014/main" id="{0E44A89E-B71F-6D0D-A0E3-BE71BC30986C}"/>
+              </a:ext>
+            </a:extLst>
+          </p:cNvPr>
+          <p:cNvPicPr>
+            <a:picLocks noChangeAspect="1"/>
+          </p:cNvPicPr>
+          <p:nvPr/>
+        </p:nvPicPr>
+        <p:blipFill>
+          <a:blip r:embed="rId2"/>
+          <a:srcRect r="37059"/>
+          <a:stretch/>
+        </p:blipFill>
+        <p:spPr>
+          <a:xfrm>
+            <a:off x="7768269" y="4025294"/>
+            <a:ext cx="1220008" cy="488997"/>
+          </a:xfrm>
+          <a:prstGeom prst="rect">
+            <a:avLst/>
+          </a:prstGeom>
+        </p:spPr>
+      </p:pic>
+      <p:pic>
+        <p:nvPicPr>
+          <p:cNvPr id="48" name="Picture 47" descr="A sound waveform with black background&#10;&#10;AI-generated content may be incorrect.">
+            <a:extLst>
+              <a:ext uri="{FF2B5EF4-FFF2-40B4-BE49-F238E27FC236}">
+                <a16:creationId xmlns:a16="http://schemas.microsoft.com/office/drawing/2014/main" id="{AC3D72D0-E6F9-0EDA-A0D5-8FEC3CBF3242}"/>
+              </a:ext>
+            </a:extLst>
+          </p:cNvPr>
+          <p:cNvPicPr>
+            <a:picLocks noChangeAspect="1"/>
+          </p:cNvPicPr>
+          <p:nvPr/>
+        </p:nvPicPr>
+        <p:blipFill>
+          <a:blip r:embed="rId2"/>
+          <a:srcRect r="37059"/>
+          <a:stretch/>
+        </p:blipFill>
+        <p:spPr>
+          <a:xfrm>
+            <a:off x="10337981" y="2835782"/>
+            <a:ext cx="1220008" cy="1255237"/>
+          </a:xfrm>
+          <a:prstGeom prst="rect">
+            <a:avLst/>
+          </a:prstGeom>
+        </p:spPr>
+      </p:pic>
+      <p:pic>
+        <p:nvPicPr>
+          <p:cNvPr id="50" name="Picture 49" descr="A telephone pole with power lines&#10;&#10;AI-generated content may be incorrect.">
+            <a:extLst>
+              <a:ext uri="{FF2B5EF4-FFF2-40B4-BE49-F238E27FC236}">
+                <a16:creationId xmlns:a16="http://schemas.microsoft.com/office/drawing/2014/main" id="{1A5C0E9C-A83E-AEFF-6081-03C9A561899F}"/>
+              </a:ext>
+            </a:extLst>
+          </p:cNvPr>
+          <p:cNvPicPr>
+            <a:picLocks noChangeAspect="1"/>
+          </p:cNvPicPr>
+          <p:nvPr/>
+        </p:nvPicPr>
+        <p:blipFill>
+          <a:blip r:embed="rId3"/>
+          <a:stretch>
+            <a:fillRect/>
+          </a:stretch>
+        </p:blipFill>
+        <p:spPr>
+          <a:xfrm rot="5400000">
+            <a:off x="8382273" y="983722"/>
+            <a:ext cx="1880169" cy="1410127"/>
+          </a:xfrm>
+          <a:prstGeom prst="rect">
+            <a:avLst/>
+          </a:prstGeom>
+        </p:spPr>
+      </p:pic>
+      <p:pic>
+        <p:nvPicPr>
+          <p:cNvPr id="58" name="Picture 57" descr="A close-up of a glass&#10;&#10;AI-generated content may be incorrect.">
+            <a:extLst>
+              <a:ext uri="{FF2B5EF4-FFF2-40B4-BE49-F238E27FC236}">
+                <a16:creationId xmlns:a16="http://schemas.microsoft.com/office/drawing/2014/main" id="{81EED50B-4AC6-343E-B237-AE3B58463016}"/>
+              </a:ext>
+            </a:extLst>
+          </p:cNvPr>
+          <p:cNvPicPr>
+            <a:picLocks noChangeAspect="1"/>
+          </p:cNvPicPr>
+          <p:nvPr/>
+        </p:nvPicPr>
+        <p:blipFill>
+          <a:blip r:embed="rId4"/>
+          <a:stretch>
+            <a:fillRect/>
+          </a:stretch>
+        </p:blipFill>
+        <p:spPr>
+          <a:xfrm>
+            <a:off x="10493760" y="748701"/>
+            <a:ext cx="908450" cy="1912526"/>
+          </a:xfrm>
+          <a:prstGeom prst="rect">
+            <a:avLst/>
+          </a:prstGeom>
+        </p:spPr>
+      </p:pic>
+      <p:sp>
+        <p:nvSpPr>
+          <p:cNvPr id="60" name="TextBox 59">
+            <a:extLst>
+              <a:ext uri="{FF2B5EF4-FFF2-40B4-BE49-F238E27FC236}">
+                <a16:creationId xmlns:a16="http://schemas.microsoft.com/office/drawing/2014/main" id="{CF1F32C8-7988-E4D0-844F-5396463C345A}"/>
+              </a:ext>
+            </a:extLst>
+          </p:cNvPr>
+          <p:cNvSpPr txBox="1"/>
+          <p:nvPr/>
+        </p:nvSpPr>
+        <p:spPr>
+          <a:xfrm>
+            <a:off x="5463513" y="5901398"/>
+            <a:ext cx="6094476" cy="369332"/>
+          </a:xfrm>
+          <a:prstGeom prst="rect">
+            <a:avLst/>
+          </a:prstGeom>
+          <a:noFill/>
+        </p:spPr>
+        <p:txBody>
+          <a:bodyPr wrap="square">
+            <a:spAutoFit/>
+          </a:bodyPr>
+          <a:lstStyle/>
+          <a:p>
+            <a:pPr algn="r"/>
+            <a:r>
+              <a:rPr lang="en-US" dirty="0"/>
+              <a:t>https://</a:t>
+            </a:r>
+            <a:r>
+              <a:rPr lang="en-US" dirty="0" err="1"/>
+              <a:t>en.wikipedia.org</a:t>
+            </a:r>
+            <a:r>
+              <a:rPr lang="en-US" dirty="0"/>
+              <a:t>/wiki/</a:t>
+            </a:r>
+            <a:r>
+              <a:rPr lang="en-US" dirty="0" err="1"/>
+              <a:t>Vacuum_tube</a:t>
+            </a:r>
+            <a:endParaRPr lang="en-US" dirty="0"/>
+          </a:p>
+        </p:txBody>
+      </p:sp>
+      <p:sp>
+        <p:nvSpPr>
+          <p:cNvPr id="62" name="TextBox 61">
+            <a:extLst>
+              <a:ext uri="{FF2B5EF4-FFF2-40B4-BE49-F238E27FC236}">
+                <a16:creationId xmlns:a16="http://schemas.microsoft.com/office/drawing/2014/main" id="{1C5C75D2-8CD2-3B0C-2C15-EECBA98EE07E}"/>
+              </a:ext>
+            </a:extLst>
+          </p:cNvPr>
+          <p:cNvSpPr txBox="1"/>
+          <p:nvPr/>
+        </p:nvSpPr>
+        <p:spPr>
+          <a:xfrm>
+            <a:off x="8019170" y="4460185"/>
+            <a:ext cx="684803" cy="369332"/>
+          </a:xfrm>
+          <a:prstGeom prst="rect">
+            <a:avLst/>
+          </a:prstGeom>
+          <a:noFill/>
+        </p:spPr>
+        <p:txBody>
+          <a:bodyPr wrap="none" rtlCol="0">
+            <a:spAutoFit/>
+          </a:bodyPr>
+          <a:lstStyle/>
+          <a:p>
+            <a:r>
+              <a:rPr lang="en-US" dirty="0"/>
+              <a:t>Input</a:t>
+            </a:r>
+          </a:p>
+        </p:txBody>
+      </p:sp>
+      <p:sp>
+        <p:nvSpPr>
+          <p:cNvPr id="63" name="TextBox 62">
+            <a:extLst>
+              <a:ext uri="{FF2B5EF4-FFF2-40B4-BE49-F238E27FC236}">
+                <a16:creationId xmlns:a16="http://schemas.microsoft.com/office/drawing/2014/main" id="{D95C0F8E-26B6-C964-A9F1-043D1BC45648}"/>
+              </a:ext>
+            </a:extLst>
+          </p:cNvPr>
+          <p:cNvSpPr txBox="1"/>
+          <p:nvPr/>
+        </p:nvSpPr>
+        <p:spPr>
+          <a:xfrm>
+            <a:off x="10423502" y="4090853"/>
+            <a:ext cx="585417" cy="369332"/>
+          </a:xfrm>
+          <a:prstGeom prst="rect">
+            <a:avLst/>
+          </a:prstGeom>
+          <a:noFill/>
+        </p:spPr>
+        <p:txBody>
+          <a:bodyPr wrap="none" rtlCol="0">
+            <a:spAutoFit/>
+          </a:bodyPr>
+          <a:lstStyle/>
+          <a:p>
+            <a:r>
+              <a:rPr lang="en-US" dirty="0"/>
+              <a:t>Grid</a:t>
+            </a:r>
+          </a:p>
+        </p:txBody>
+      </p:sp>
+      <p:sp>
+        <p:nvSpPr>
+          <p:cNvPr id="64" name="TextBox 63">
+            <a:extLst>
+              <a:ext uri="{FF2B5EF4-FFF2-40B4-BE49-F238E27FC236}">
+                <a16:creationId xmlns:a16="http://schemas.microsoft.com/office/drawing/2014/main" id="{9E228BEB-EA82-732A-8A47-E3D1C8330D19}"/>
+              </a:ext>
+            </a:extLst>
+          </p:cNvPr>
+          <p:cNvSpPr txBox="1"/>
+          <p:nvPr/>
+        </p:nvSpPr>
+        <p:spPr>
+          <a:xfrm>
+            <a:off x="8779238" y="4718204"/>
+            <a:ext cx="974434" cy="369332"/>
+          </a:xfrm>
+          <a:prstGeom prst="rect">
+            <a:avLst/>
+          </a:prstGeom>
+          <a:noFill/>
+        </p:spPr>
+        <p:txBody>
+          <a:bodyPr wrap="none" rtlCol="0">
+            <a:spAutoFit/>
+          </a:bodyPr>
+          <a:lstStyle/>
+          <a:p>
+            <a:r>
+              <a:rPr lang="en-US" dirty="0"/>
+              <a:t>Cathode</a:t>
+            </a:r>
+          </a:p>
+        </p:txBody>
+      </p:sp>
+      <p:sp>
+        <p:nvSpPr>
+          <p:cNvPr id="65" name="TextBox 64">
+            <a:extLst>
+              <a:ext uri="{FF2B5EF4-FFF2-40B4-BE49-F238E27FC236}">
+                <a16:creationId xmlns:a16="http://schemas.microsoft.com/office/drawing/2014/main" id="{C6B48605-552D-8C16-7F15-3C66108538AA}"/>
+              </a:ext>
+            </a:extLst>
+          </p:cNvPr>
+          <p:cNvSpPr txBox="1"/>
+          <p:nvPr/>
+        </p:nvSpPr>
+        <p:spPr>
+          <a:xfrm>
+            <a:off x="8764703" y="3477957"/>
+            <a:ext cx="798617" cy="369332"/>
+          </a:xfrm>
+          <a:prstGeom prst="rect">
+            <a:avLst/>
+          </a:prstGeom>
+          <a:noFill/>
+        </p:spPr>
+        <p:txBody>
+          <a:bodyPr wrap="none" rtlCol="0">
+            <a:spAutoFit/>
+          </a:bodyPr>
+          <a:lstStyle/>
+          <a:p>
+            <a:r>
+              <a:rPr lang="en-US" dirty="0"/>
+              <a:t>Anode</a:t>
+            </a:r>
+          </a:p>
+        </p:txBody>
+      </p:sp>
+      <p:sp>
+        <p:nvSpPr>
+          <p:cNvPr id="66" name="TextBox 65">
+            <a:extLst>
+              <a:ext uri="{FF2B5EF4-FFF2-40B4-BE49-F238E27FC236}">
+                <a16:creationId xmlns:a16="http://schemas.microsoft.com/office/drawing/2014/main" id="{E85EC367-E4A9-32FF-7F64-7992063CA702}"/>
+              </a:ext>
+            </a:extLst>
+          </p:cNvPr>
+          <p:cNvSpPr txBox="1"/>
+          <p:nvPr/>
+        </p:nvSpPr>
+        <p:spPr>
+          <a:xfrm>
+            <a:off x="11126447" y="2988182"/>
+            <a:ext cx="856325" cy="369332"/>
+          </a:xfrm>
+          <a:prstGeom prst="rect">
+            <a:avLst/>
+          </a:prstGeom>
+          <a:noFill/>
+        </p:spPr>
+        <p:txBody>
+          <a:bodyPr wrap="none" rtlCol="0">
+            <a:spAutoFit/>
+          </a:bodyPr>
+          <a:lstStyle/>
+          <a:p>
+            <a:r>
+              <a:rPr lang="en-US" dirty="0"/>
+              <a:t>Output</a:t>
+            </a:r>
+          </a:p>
+        </p:txBody>
+      </p:sp>
+    </p:spTree>
+    <p:extLst>
+      <p:ext uri="{BB962C8B-B14F-4D97-AF65-F5344CB8AC3E}">
+        <p14:creationId xmlns:p14="http://schemas.microsoft.com/office/powerpoint/2010/main" val="2469116122"/>
+      </p:ext>
+    </p:extLst>
+  </p:cSld>
+  <p:clrMapOvr>
+    <a:masterClrMapping/>
+  </p:clrMapOvr>
+</p:sld>
+</file>
+
+<file path=ppt/slides/slide4.xml><?xml version="1.0" encoding="utf-8"?>
+<p:sld xmlns:a="http://schemas.openxmlformats.org/drawingml/2006/main" xmlns:r="http://schemas.openxmlformats.org/officeDocument/2006/relationships" xmlns:p="http://schemas.openxmlformats.org/presentationml/2006/main">
+  <p:cSld>
+    <p:spTree>
+      <p:nvGrpSpPr>
+        <p:cNvPr id="1" name=""/>
+        <p:cNvGrpSpPr/>
+        <p:nvPr/>
+      </p:nvGrpSpPr>
+      <p:grpSpPr>
+        <a:xfrm>
+          <a:off x="0" y="0"/>
+          <a:ext cx="0" cy="0"/>
+          <a:chOff x="0" y="0"/>
+          <a:chExt cx="0" cy="0"/>
+        </a:xfrm>
+      </p:grpSpPr>
+      <p:sp>
+        <p:nvSpPr>
+          <p:cNvPr id="2" name="Title 1">
+            <a:extLst>
+              <a:ext uri="{FF2B5EF4-FFF2-40B4-BE49-F238E27FC236}">
+                <a16:creationId xmlns:a16="http://schemas.microsoft.com/office/drawing/2014/main" id="{3C1C798B-7E70-BEB6-F169-7FBB9E0C0DC5}"/>
+              </a:ext>
+            </a:extLst>
+          </p:cNvPr>
+          <p:cNvSpPr>
+            <a:spLocks noGrp="1"/>
+          </p:cNvSpPr>
+          <p:nvPr>
+            <p:ph type="title"/>
+          </p:nvPr>
+        </p:nvSpPr>
+        <p:spPr/>
+        <p:txBody>
+          <a:bodyPr/>
+          <a:lstStyle/>
+          <a:p>
+            <a:r>
+              <a:rPr lang="en-US" dirty="0"/>
+              <a:t>Building "Digital" Valves / Tubes</a:t>
+            </a:r>
+          </a:p>
+        </p:txBody>
+      </p:sp>
+      <p:sp>
+        <p:nvSpPr>
+          <p:cNvPr id="3" name="Content Placeholder 2">
+            <a:extLst>
+              <a:ext uri="{FF2B5EF4-FFF2-40B4-BE49-F238E27FC236}">
+                <a16:creationId xmlns:a16="http://schemas.microsoft.com/office/drawing/2014/main" id="{880C27F6-2B11-EDB6-B9C0-83A0D1C8E882}"/>
+              </a:ext>
+            </a:extLst>
+          </p:cNvPr>
+          <p:cNvSpPr>
+            <a:spLocks noGrp="1"/>
+          </p:cNvSpPr>
+          <p:nvPr>
+            <p:ph idx="1"/>
+          </p:nvPr>
+        </p:nvSpPr>
+        <p:spPr>
+          <a:xfrm>
+            <a:off x="838200" y="1825625"/>
+            <a:ext cx="4319016" cy="4127111"/>
+          </a:xfrm>
+        </p:spPr>
+        <p:txBody>
+          <a:bodyPr>
+            <a:normAutofit lnSpcReduction="10000"/>
+          </a:bodyPr>
+          <a:lstStyle/>
+          <a:p>
+            <a:r>
+              <a:rPr lang="en-US" dirty="0"/>
+              <a:t>The design of tubes could be tweaked so to move quickly from low voltage to high voltage as the input voltage increased	</a:t>
+            </a:r>
+          </a:p>
+          <a:p>
+            <a:pPr lvl="1"/>
+            <a:r>
+              <a:rPr lang="en-US" dirty="0"/>
+              <a:t>Voltage low = off</a:t>
+            </a:r>
+          </a:p>
+          <a:p>
+            <a:pPr lvl="1"/>
+            <a:r>
+              <a:rPr lang="en-US" dirty="0"/>
+              <a:t>Voltage high = on</a:t>
+            </a:r>
+          </a:p>
+          <a:p>
+            <a:r>
+              <a:rPr lang="en-US" dirty="0"/>
+              <a:t>With the correct design, a range of slightly lower input would be lifted on output</a:t>
+            </a:r>
+          </a:p>
+        </p:txBody>
+      </p:sp>
+      <p:cxnSp>
+        <p:nvCxnSpPr>
+          <p:cNvPr id="5" name="Straight Connector 4">
+            <a:extLst>
+              <a:ext uri="{FF2B5EF4-FFF2-40B4-BE49-F238E27FC236}">
+                <a16:creationId xmlns:a16="http://schemas.microsoft.com/office/drawing/2014/main" id="{A4797A69-4A3E-F909-C44C-9EE13DC63A93}"/>
+              </a:ext>
+            </a:extLst>
+          </p:cNvPr>
+          <p:cNvCxnSpPr/>
+          <p:nvPr/>
+        </p:nvCxnSpPr>
+        <p:spPr>
+          <a:xfrm>
+            <a:off x="6766560" y="2075688"/>
+            <a:ext cx="0" cy="2916936"/>
+          </a:xfrm>
+          <a:prstGeom prst="line">
+            <a:avLst/>
+          </a:prstGeom>
+          <a:ln w="38100">
+            <a:solidFill>
+              <a:schemeClr val="tx1"/>
+            </a:solidFill>
+          </a:ln>
+        </p:spPr>
+        <p:style>
+          <a:lnRef idx="1">
+            <a:schemeClr val="accent1"/>
+          </a:lnRef>
+          <a:fillRef idx="0">
+            <a:schemeClr val="accent1"/>
+          </a:fillRef>
+          <a:effectRef idx="0">
+            <a:schemeClr val="accent1"/>
+          </a:effectRef>
+          <a:fontRef idx="minor">
+            <a:schemeClr val="tx1"/>
+          </a:fontRef>
+        </p:style>
+      </p:cxnSp>
+      <p:cxnSp>
+        <p:nvCxnSpPr>
+          <p:cNvPr id="6" name="Straight Connector 5">
+            <a:extLst>
+              <a:ext uri="{FF2B5EF4-FFF2-40B4-BE49-F238E27FC236}">
+                <a16:creationId xmlns:a16="http://schemas.microsoft.com/office/drawing/2014/main" id="{73D57EB2-7307-3AF8-4E58-1786D776AC9E}"/>
+              </a:ext>
+            </a:extLst>
+          </p:cNvPr>
+          <p:cNvCxnSpPr>
+            <a:cxnSpLocks/>
+          </p:cNvCxnSpPr>
+          <p:nvPr/>
+        </p:nvCxnSpPr>
+        <p:spPr>
+          <a:xfrm>
+            <a:off x="6766560" y="4992624"/>
+            <a:ext cx="3639282" cy="0"/>
+          </a:xfrm>
+          <a:prstGeom prst="line">
+            <a:avLst/>
+          </a:prstGeom>
+          <a:ln w="38100">
+            <a:solidFill>
+              <a:schemeClr val="tx1"/>
+            </a:solidFill>
+          </a:ln>
+        </p:spPr>
+        <p:style>
+          <a:lnRef idx="1">
+            <a:schemeClr val="accent1"/>
+          </a:lnRef>
+          <a:fillRef idx="0">
+            <a:schemeClr val="accent1"/>
+          </a:fillRef>
+          <a:effectRef idx="0">
+            <a:schemeClr val="accent1"/>
+          </a:effectRef>
+          <a:fontRef idx="minor">
+            <a:schemeClr val="tx1"/>
+          </a:fontRef>
+        </p:style>
+      </p:cxnSp>
+      <p:sp>
+        <p:nvSpPr>
+          <p:cNvPr id="9" name="Freeform 8">
+            <a:extLst>
+              <a:ext uri="{FF2B5EF4-FFF2-40B4-BE49-F238E27FC236}">
+                <a16:creationId xmlns:a16="http://schemas.microsoft.com/office/drawing/2014/main" id="{5246D9BE-68AA-C3BE-7385-5E75B9BF0FCF}"/>
+              </a:ext>
+            </a:extLst>
+          </p:cNvPr>
+          <p:cNvSpPr/>
+          <p:nvPr/>
+        </p:nvSpPr>
+        <p:spPr>
+          <a:xfrm>
+            <a:off x="6867144" y="2404459"/>
+            <a:ext cx="3538698" cy="2407964"/>
+          </a:xfrm>
+          <a:custGeom>
+            <a:avLst/>
+            <a:gdLst>
+              <a:gd name="connsiteX0" fmla="*/ 0 w 3218688"/>
+              <a:gd name="connsiteY0" fmla="*/ 2306774 h 2356133"/>
+              <a:gd name="connsiteX1" fmla="*/ 868680 w 3218688"/>
+              <a:gd name="connsiteY1" fmla="*/ 2297630 h 2356133"/>
+              <a:gd name="connsiteX2" fmla="*/ 1344168 w 3218688"/>
+              <a:gd name="connsiteY2" fmla="*/ 1721558 h 2356133"/>
+              <a:gd name="connsiteX3" fmla="*/ 1901952 w 3218688"/>
+              <a:gd name="connsiteY3" fmla="*/ 642566 h 2356133"/>
+              <a:gd name="connsiteX4" fmla="*/ 2487168 w 3218688"/>
+              <a:gd name="connsiteY4" fmla="*/ 84782 h 2356133"/>
+              <a:gd name="connsiteX5" fmla="*/ 3218688 w 3218688"/>
+              <a:gd name="connsiteY5" fmla="*/ 11630 h 2356133"/>
+              <a:gd name="connsiteX0" fmla="*/ 0 w 3218688"/>
+              <a:gd name="connsiteY0" fmla="*/ 2352494 h 2382604"/>
+              <a:gd name="connsiteX1" fmla="*/ 868680 w 3218688"/>
+              <a:gd name="connsiteY1" fmla="*/ 2297630 h 2382604"/>
+              <a:gd name="connsiteX2" fmla="*/ 1344168 w 3218688"/>
+              <a:gd name="connsiteY2" fmla="*/ 1721558 h 2382604"/>
+              <a:gd name="connsiteX3" fmla="*/ 1901952 w 3218688"/>
+              <a:gd name="connsiteY3" fmla="*/ 642566 h 2382604"/>
+              <a:gd name="connsiteX4" fmla="*/ 2487168 w 3218688"/>
+              <a:gd name="connsiteY4" fmla="*/ 84782 h 2382604"/>
+              <a:gd name="connsiteX5" fmla="*/ 3218688 w 3218688"/>
+              <a:gd name="connsiteY5" fmla="*/ 11630 h 2382604"/>
+            </a:gdLst>
+            <a:ahLst/>
+            <a:cxnLst>
+              <a:cxn ang="0">
+                <a:pos x="connsiteX0" y="connsiteY0"/>
+              </a:cxn>
+              <a:cxn ang="0">
+                <a:pos x="connsiteX1" y="connsiteY1"/>
+              </a:cxn>
+              <a:cxn ang="0">
+                <a:pos x="connsiteX2" y="connsiteY2"/>
+              </a:cxn>
+              <a:cxn ang="0">
+                <a:pos x="connsiteX3" y="connsiteY3"/>
+              </a:cxn>
+              <a:cxn ang="0">
+                <a:pos x="connsiteX4" y="connsiteY4"/>
+              </a:cxn>
+              <a:cxn ang="0">
+                <a:pos x="connsiteX5" y="connsiteY5"/>
+              </a:cxn>
+            </a:cxnLst>
+            <a:rect l="l" t="t" r="r" b="b"/>
+            <a:pathLst>
+              <a:path w="3218688" h="2382604">
+                <a:moveTo>
+                  <a:pt x="0" y="2352494"/>
+                </a:moveTo>
+                <a:cubicBezTo>
+                  <a:pt x="322326" y="2396690"/>
+                  <a:pt x="644652" y="2402786"/>
+                  <a:pt x="868680" y="2297630"/>
+                </a:cubicBezTo>
+                <a:cubicBezTo>
+                  <a:pt x="1092708" y="2192474"/>
+                  <a:pt x="1171956" y="1997402"/>
+                  <a:pt x="1344168" y="1721558"/>
+                </a:cubicBezTo>
+                <a:cubicBezTo>
+                  <a:pt x="1516380" y="1445714"/>
+                  <a:pt x="1711452" y="915362"/>
+                  <a:pt x="1901952" y="642566"/>
+                </a:cubicBezTo>
+                <a:cubicBezTo>
+                  <a:pt x="2092452" y="369770"/>
+                  <a:pt x="2267712" y="189938"/>
+                  <a:pt x="2487168" y="84782"/>
+                </a:cubicBezTo>
+                <a:cubicBezTo>
+                  <a:pt x="2706624" y="-20374"/>
+                  <a:pt x="2962656" y="-4372"/>
+                  <a:pt x="3218688" y="11630"/>
+                </a:cubicBezTo>
+              </a:path>
+            </a:pathLst>
+          </a:custGeom>
+          <a:noFill/>
+          <a:ln w="28575">
+            <a:solidFill>
+              <a:schemeClr val="accent1"/>
+            </a:solidFill>
+          </a:ln>
+        </p:spPr>
+        <p:style>
+          <a:lnRef idx="2">
+            <a:schemeClr val="accent1">
+              <a:shade val="15000"/>
+            </a:schemeClr>
+          </a:lnRef>
+          <a:fillRef idx="1">
+            <a:schemeClr val="accent1"/>
+          </a:fillRef>
+          <a:effectRef idx="0">
+            <a:schemeClr val="accent1"/>
+          </a:effectRef>
+          <a:fontRef idx="minor">
+            <a:schemeClr val="lt1"/>
+          </a:fontRef>
+        </p:style>
+        <p:txBody>
+          <a:bodyPr rtlCol="0" anchor="ctr"/>
+          <a:lstStyle/>
+          <a:p>
+            <a:pPr algn="ctr"/>
+            <a:endParaRPr lang="en-US"/>
+          </a:p>
+        </p:txBody>
+      </p:sp>
+      <p:sp>
+        <p:nvSpPr>
+          <p:cNvPr id="10" name="Freeform 9">
+            <a:extLst>
+              <a:ext uri="{FF2B5EF4-FFF2-40B4-BE49-F238E27FC236}">
+                <a16:creationId xmlns:a16="http://schemas.microsoft.com/office/drawing/2014/main" id="{0821B3E8-DBCF-634E-062D-1FBE03CF3C3E}"/>
+              </a:ext>
+            </a:extLst>
+          </p:cNvPr>
+          <p:cNvSpPr/>
+          <p:nvPr/>
+        </p:nvSpPr>
+        <p:spPr>
+          <a:xfrm>
+            <a:off x="6885431" y="2373713"/>
+            <a:ext cx="3520411" cy="2472407"/>
+          </a:xfrm>
+          <a:custGeom>
+            <a:avLst/>
+            <a:gdLst>
+              <a:gd name="connsiteX0" fmla="*/ 0 w 3136392"/>
+              <a:gd name="connsiteY0" fmla="*/ 2311176 h 2480509"/>
+              <a:gd name="connsiteX1" fmla="*/ 1463040 w 3136392"/>
+              <a:gd name="connsiteY1" fmla="*/ 2274600 h 2480509"/>
+              <a:gd name="connsiteX2" fmla="*/ 1801368 w 3136392"/>
+              <a:gd name="connsiteY2" fmla="*/ 262920 h 2480509"/>
+              <a:gd name="connsiteX3" fmla="*/ 3136392 w 3136392"/>
+              <a:gd name="connsiteY3" fmla="*/ 6888 h 2480509"/>
+              <a:gd name="connsiteX0" fmla="*/ 0 w 3136392"/>
+              <a:gd name="connsiteY0" fmla="*/ 2311176 h 2377760"/>
+              <a:gd name="connsiteX1" fmla="*/ 1472184 w 3136392"/>
+              <a:gd name="connsiteY1" fmla="*/ 2009424 h 2377760"/>
+              <a:gd name="connsiteX2" fmla="*/ 1801368 w 3136392"/>
+              <a:gd name="connsiteY2" fmla="*/ 262920 h 2377760"/>
+              <a:gd name="connsiteX3" fmla="*/ 3136392 w 3136392"/>
+              <a:gd name="connsiteY3" fmla="*/ 6888 h 2377760"/>
+              <a:gd name="connsiteX0" fmla="*/ 0 w 3136392"/>
+              <a:gd name="connsiteY0" fmla="*/ 2430048 h 2480048"/>
+              <a:gd name="connsiteX1" fmla="*/ 1472184 w 3136392"/>
+              <a:gd name="connsiteY1" fmla="*/ 2009424 h 2480048"/>
+              <a:gd name="connsiteX2" fmla="*/ 1801368 w 3136392"/>
+              <a:gd name="connsiteY2" fmla="*/ 262920 h 2480048"/>
+              <a:gd name="connsiteX3" fmla="*/ 3136392 w 3136392"/>
+              <a:gd name="connsiteY3" fmla="*/ 6888 h 2480048"/>
+              <a:gd name="connsiteX0" fmla="*/ 0 w 3136392"/>
+              <a:gd name="connsiteY0" fmla="*/ 2430048 h 2475723"/>
+              <a:gd name="connsiteX1" fmla="*/ 999685 w 3136392"/>
+              <a:gd name="connsiteY1" fmla="*/ 1972848 h 2475723"/>
+              <a:gd name="connsiteX2" fmla="*/ 1801368 w 3136392"/>
+              <a:gd name="connsiteY2" fmla="*/ 262920 h 2475723"/>
+              <a:gd name="connsiteX3" fmla="*/ 3136392 w 3136392"/>
+              <a:gd name="connsiteY3" fmla="*/ 6888 h 2475723"/>
+              <a:gd name="connsiteX0" fmla="*/ 0 w 3136392"/>
+              <a:gd name="connsiteY0" fmla="*/ 2426886 h 2472408"/>
+              <a:gd name="connsiteX1" fmla="*/ 999685 w 3136392"/>
+              <a:gd name="connsiteY1" fmla="*/ 1969686 h 2472408"/>
+              <a:gd name="connsiteX2" fmla="*/ 1296283 w 3136392"/>
+              <a:gd name="connsiteY2" fmla="*/ 268902 h 2472408"/>
+              <a:gd name="connsiteX3" fmla="*/ 3136392 w 3136392"/>
+              <a:gd name="connsiteY3" fmla="*/ 3726 h 2472408"/>
+            </a:gdLst>
+            <a:ahLst/>
+            <a:cxnLst>
+              <a:cxn ang="0">
+                <a:pos x="connsiteX0" y="connsiteY0"/>
+              </a:cxn>
+              <a:cxn ang="0">
+                <a:pos x="connsiteX1" y="connsiteY1"/>
+              </a:cxn>
+              <a:cxn ang="0">
+                <a:pos x="connsiteX2" y="connsiteY2"/>
+              </a:cxn>
+              <a:cxn ang="0">
+                <a:pos x="connsiteX3" y="connsiteY3"/>
+              </a:cxn>
+            </a:cxnLst>
+            <a:rect l="l" t="t" r="r" b="b"/>
+            <a:pathLst>
+              <a:path w="3136392" h="2472408">
+                <a:moveTo>
+                  <a:pt x="0" y="2426886"/>
+                </a:moveTo>
+                <a:cubicBezTo>
+                  <a:pt x="581406" y="2579286"/>
+                  <a:pt x="783638" y="2329350"/>
+                  <a:pt x="999685" y="1969686"/>
+                </a:cubicBezTo>
+                <a:cubicBezTo>
+                  <a:pt x="1215732" y="1610022"/>
+                  <a:pt x="1017391" y="646854"/>
+                  <a:pt x="1296283" y="268902"/>
+                </a:cubicBezTo>
+                <a:cubicBezTo>
+                  <a:pt x="1575175" y="-109050"/>
+                  <a:pt x="2889504" y="31158"/>
+                  <a:pt x="3136392" y="3726"/>
+                </a:cubicBezTo>
+              </a:path>
+            </a:pathLst>
+          </a:custGeom>
+          <a:noFill/>
+          <a:ln w="28575">
+            <a:solidFill>
+              <a:srgbClr val="FF0000"/>
+            </a:solidFill>
+          </a:ln>
+        </p:spPr>
+        <p:style>
+          <a:lnRef idx="2">
+            <a:schemeClr val="accent1">
+              <a:shade val="15000"/>
+            </a:schemeClr>
+          </a:lnRef>
+          <a:fillRef idx="1">
+            <a:schemeClr val="accent1"/>
+          </a:fillRef>
+          <a:effectRef idx="0">
+            <a:schemeClr val="accent1"/>
+          </a:effectRef>
+          <a:fontRef idx="minor">
+            <a:schemeClr val="lt1"/>
+          </a:fontRef>
+        </p:style>
+        <p:txBody>
+          <a:bodyPr rtlCol="0" anchor="ctr"/>
+          <a:lstStyle/>
+          <a:p>
+            <a:pPr algn="ctr"/>
+            <a:endParaRPr lang="en-US"/>
+          </a:p>
+        </p:txBody>
+      </p:sp>
+      <p:sp>
+        <p:nvSpPr>
+          <p:cNvPr id="12" name="Right Brace 11">
+            <a:extLst>
+              <a:ext uri="{FF2B5EF4-FFF2-40B4-BE49-F238E27FC236}">
+                <a16:creationId xmlns:a16="http://schemas.microsoft.com/office/drawing/2014/main" id="{86E4B132-156B-FCB2-CE45-A5E17AC40BE7}"/>
+              </a:ext>
+            </a:extLst>
+          </p:cNvPr>
+          <p:cNvSpPr/>
+          <p:nvPr/>
+        </p:nvSpPr>
+        <p:spPr>
+          <a:xfrm rot="16200000">
+            <a:off x="8046705" y="1959493"/>
+            <a:ext cx="137160" cy="484632"/>
+          </a:xfrm>
+          <a:prstGeom prst="rightBrace">
+            <a:avLst/>
+          </a:prstGeom>
+          <a:ln w="28575">
+            <a:solidFill>
+              <a:srgbClr val="FF0000"/>
+            </a:solidFill>
+          </a:ln>
+        </p:spPr>
+        <p:style>
+          <a:lnRef idx="1">
+            <a:schemeClr val="accent1"/>
+          </a:lnRef>
+          <a:fillRef idx="0">
+            <a:schemeClr val="accent1"/>
+          </a:fillRef>
+          <a:effectRef idx="0">
+            <a:schemeClr val="accent1"/>
+          </a:effectRef>
+          <a:fontRef idx="minor">
+            <a:schemeClr val="tx1"/>
+          </a:fontRef>
+        </p:style>
+        <p:txBody>
+          <a:bodyPr rtlCol="0" anchor="ctr"/>
+          <a:lstStyle/>
+          <a:p>
+            <a:pPr algn="ctr"/>
+            <a:endParaRPr lang="en-US"/>
+          </a:p>
+        </p:txBody>
+      </p:sp>
+      <p:sp>
+        <p:nvSpPr>
+          <p:cNvPr id="13" name="TextBox 12">
+            <a:extLst>
+              <a:ext uri="{FF2B5EF4-FFF2-40B4-BE49-F238E27FC236}">
+                <a16:creationId xmlns:a16="http://schemas.microsoft.com/office/drawing/2014/main" id="{B9150F74-2D3F-3BBB-F117-6378A17BA7D3}"/>
+              </a:ext>
+            </a:extLst>
+          </p:cNvPr>
+          <p:cNvSpPr txBox="1"/>
+          <p:nvPr/>
+        </p:nvSpPr>
+        <p:spPr>
+          <a:xfrm>
+            <a:off x="7561992" y="1798622"/>
+            <a:ext cx="1106585" cy="369332"/>
+          </a:xfrm>
+          <a:prstGeom prst="rect">
+            <a:avLst/>
+          </a:prstGeom>
+          <a:noFill/>
+        </p:spPr>
+        <p:txBody>
+          <a:bodyPr wrap="none" rtlCol="0">
+            <a:spAutoFit/>
+          </a:bodyPr>
+          <a:lstStyle/>
+          <a:p>
+            <a:r>
+              <a:rPr lang="en-US" dirty="0">
+                <a:solidFill>
+                  <a:srgbClr val="FF0000"/>
+                </a:solidFill>
+              </a:rPr>
+              <a:t>Transition</a:t>
+            </a:r>
+          </a:p>
+        </p:txBody>
+      </p:sp>
+      <p:sp>
+        <p:nvSpPr>
+          <p:cNvPr id="14" name="TextBox 13">
+            <a:extLst>
+              <a:ext uri="{FF2B5EF4-FFF2-40B4-BE49-F238E27FC236}">
+                <a16:creationId xmlns:a16="http://schemas.microsoft.com/office/drawing/2014/main" id="{F6D4F634-6A0B-1F5A-F23F-8749901ABE57}"/>
+              </a:ext>
+            </a:extLst>
+          </p:cNvPr>
+          <p:cNvSpPr txBox="1"/>
+          <p:nvPr/>
+        </p:nvSpPr>
+        <p:spPr>
+          <a:xfrm>
+            <a:off x="9423778" y="2924743"/>
+            <a:ext cx="1048685" cy="646331"/>
+          </a:xfrm>
+          <a:prstGeom prst="rect">
+            <a:avLst/>
+          </a:prstGeom>
+          <a:noFill/>
+        </p:spPr>
+        <p:txBody>
+          <a:bodyPr wrap="none" rtlCol="0">
+            <a:spAutoFit/>
+          </a:bodyPr>
+          <a:lstStyle/>
+          <a:p>
+            <a:r>
+              <a:rPr lang="en-US" dirty="0">
+                <a:solidFill>
+                  <a:schemeClr val="accent1"/>
+                </a:solidFill>
+              </a:rPr>
+              <a:t>Audio</a:t>
+            </a:r>
+          </a:p>
+          <a:p>
+            <a:r>
+              <a:rPr lang="en-US" dirty="0">
+                <a:solidFill>
+                  <a:schemeClr val="accent1"/>
+                </a:solidFill>
+              </a:rPr>
+              <a:t>Amplifier</a:t>
+            </a:r>
+          </a:p>
+        </p:txBody>
+      </p:sp>
+      <p:sp>
+        <p:nvSpPr>
+          <p:cNvPr id="15" name="TextBox 14">
+            <a:extLst>
+              <a:ext uri="{FF2B5EF4-FFF2-40B4-BE49-F238E27FC236}">
+                <a16:creationId xmlns:a16="http://schemas.microsoft.com/office/drawing/2014/main" id="{B5BAFA32-7041-3312-95B6-E98649FC7617}"/>
+              </a:ext>
+            </a:extLst>
+          </p:cNvPr>
+          <p:cNvSpPr txBox="1"/>
+          <p:nvPr/>
+        </p:nvSpPr>
+        <p:spPr>
+          <a:xfrm>
+            <a:off x="7019682" y="3025297"/>
+            <a:ext cx="870110" cy="646331"/>
+          </a:xfrm>
+          <a:prstGeom prst="rect">
+            <a:avLst/>
+          </a:prstGeom>
+          <a:noFill/>
+        </p:spPr>
+        <p:txBody>
+          <a:bodyPr wrap="none" rtlCol="0">
+            <a:spAutoFit/>
+          </a:bodyPr>
+          <a:lstStyle/>
+          <a:p>
+            <a:r>
+              <a:rPr lang="en-US" dirty="0">
+                <a:solidFill>
+                  <a:srgbClr val="FF0000"/>
+                </a:solidFill>
+              </a:rPr>
+              <a:t>Digital</a:t>
+            </a:r>
+          </a:p>
+          <a:p>
+            <a:r>
+              <a:rPr lang="en-US" dirty="0">
+                <a:solidFill>
+                  <a:srgbClr val="FF0000"/>
+                </a:solidFill>
+              </a:rPr>
+              <a:t>"Valve"</a:t>
+            </a:r>
+          </a:p>
+        </p:txBody>
+      </p:sp>
+      <p:sp>
+        <p:nvSpPr>
+          <p:cNvPr id="16" name="TextBox 15">
+            <a:extLst>
+              <a:ext uri="{FF2B5EF4-FFF2-40B4-BE49-F238E27FC236}">
+                <a16:creationId xmlns:a16="http://schemas.microsoft.com/office/drawing/2014/main" id="{EE3ED635-71FD-4F56-C168-C5D16CDA93A9}"/>
+              </a:ext>
+            </a:extLst>
+          </p:cNvPr>
+          <p:cNvSpPr txBox="1"/>
+          <p:nvPr/>
+        </p:nvSpPr>
+        <p:spPr>
+          <a:xfrm>
+            <a:off x="8121293" y="5084890"/>
+            <a:ext cx="1441420" cy="369332"/>
+          </a:xfrm>
+          <a:prstGeom prst="rect">
+            <a:avLst/>
+          </a:prstGeom>
+          <a:noFill/>
+        </p:spPr>
+        <p:txBody>
+          <a:bodyPr wrap="none" rtlCol="0">
+            <a:spAutoFit/>
+          </a:bodyPr>
+          <a:lstStyle/>
+          <a:p>
+            <a:r>
+              <a:rPr lang="en-US" dirty="0"/>
+              <a:t>Input Voltage</a:t>
+            </a:r>
+          </a:p>
+        </p:txBody>
+      </p:sp>
+      <p:sp>
+        <p:nvSpPr>
+          <p:cNvPr id="17" name="TextBox 16">
+            <a:extLst>
+              <a:ext uri="{FF2B5EF4-FFF2-40B4-BE49-F238E27FC236}">
+                <a16:creationId xmlns:a16="http://schemas.microsoft.com/office/drawing/2014/main" id="{4E92C306-821E-E47D-66D6-EE9DFC6ACE40}"/>
+              </a:ext>
+            </a:extLst>
+          </p:cNvPr>
+          <p:cNvSpPr txBox="1"/>
+          <p:nvPr/>
+        </p:nvSpPr>
+        <p:spPr>
+          <a:xfrm rot="16200000">
+            <a:off x="5474195" y="3335416"/>
+            <a:ext cx="1612942" cy="369332"/>
+          </a:xfrm>
+          <a:prstGeom prst="rect">
+            <a:avLst/>
+          </a:prstGeom>
+          <a:noFill/>
+        </p:spPr>
+        <p:txBody>
+          <a:bodyPr wrap="none" rtlCol="0">
+            <a:spAutoFit/>
+          </a:bodyPr>
+          <a:lstStyle/>
+          <a:p>
+            <a:r>
+              <a:rPr lang="en-US" dirty="0"/>
+              <a:t>Output Voltage</a:t>
+            </a:r>
+          </a:p>
+        </p:txBody>
+      </p:sp>
+      <p:sp>
+        <p:nvSpPr>
+          <p:cNvPr id="20" name="Right Brace 19">
+            <a:extLst>
+              <a:ext uri="{FF2B5EF4-FFF2-40B4-BE49-F238E27FC236}">
+                <a16:creationId xmlns:a16="http://schemas.microsoft.com/office/drawing/2014/main" id="{C6AF2BBA-DF16-F82B-5676-6BDD7E60D557}"/>
+              </a:ext>
+            </a:extLst>
+          </p:cNvPr>
+          <p:cNvSpPr/>
+          <p:nvPr/>
+        </p:nvSpPr>
+        <p:spPr>
+          <a:xfrm rot="5400000" flipV="1">
+            <a:off x="9309457" y="3371786"/>
+            <a:ext cx="181122" cy="2048225"/>
+          </a:xfrm>
+          <a:prstGeom prst="rightBrace">
+            <a:avLst/>
+          </a:prstGeom>
+          <a:ln w="28575">
+            <a:solidFill>
+              <a:srgbClr val="FF0000"/>
+            </a:solidFill>
+          </a:ln>
+        </p:spPr>
+        <p:style>
+          <a:lnRef idx="1">
+            <a:schemeClr val="accent1"/>
+          </a:lnRef>
+          <a:fillRef idx="0">
+            <a:schemeClr val="accent1"/>
+          </a:fillRef>
+          <a:effectRef idx="0">
+            <a:schemeClr val="accent1"/>
+          </a:effectRef>
+          <a:fontRef idx="minor">
+            <a:schemeClr val="tx1"/>
+          </a:fontRef>
+        </p:style>
+        <p:txBody>
+          <a:bodyPr rtlCol="0" anchor="ctr"/>
+          <a:lstStyle/>
+          <a:p>
+            <a:pPr algn="ctr"/>
+            <a:endParaRPr lang="en-US"/>
+          </a:p>
+        </p:txBody>
+      </p:sp>
+      <p:sp>
+        <p:nvSpPr>
+          <p:cNvPr id="21" name="TextBox 20">
+            <a:extLst>
+              <a:ext uri="{FF2B5EF4-FFF2-40B4-BE49-F238E27FC236}">
+                <a16:creationId xmlns:a16="http://schemas.microsoft.com/office/drawing/2014/main" id="{DF3056CE-CA16-AB56-B80A-8F540FF3A34A}"/>
+              </a:ext>
+            </a:extLst>
+          </p:cNvPr>
+          <p:cNvSpPr txBox="1"/>
+          <p:nvPr/>
+        </p:nvSpPr>
+        <p:spPr>
+          <a:xfrm>
+            <a:off x="8772731" y="4489224"/>
+            <a:ext cx="1254574" cy="369332"/>
+          </a:xfrm>
+          <a:prstGeom prst="rect">
+            <a:avLst/>
+          </a:prstGeom>
+          <a:noFill/>
+        </p:spPr>
+        <p:txBody>
+          <a:bodyPr wrap="none" rtlCol="0">
+            <a:spAutoFit/>
+          </a:bodyPr>
+          <a:lstStyle/>
+          <a:p>
+            <a:r>
+              <a:rPr lang="en-US" dirty="0">
+                <a:solidFill>
+                  <a:srgbClr val="FF0000"/>
+                </a:solidFill>
+              </a:rPr>
+              <a:t>Regenerate</a:t>
+            </a:r>
+          </a:p>
+        </p:txBody>
+      </p:sp>
+      <p:pic>
+        <p:nvPicPr>
+          <p:cNvPr id="22" name="Picture 21" descr="A sound waveform with black background&#10;&#10;AI-generated content may be incorrect.">
+            <a:extLst>
+              <a:ext uri="{FF2B5EF4-FFF2-40B4-BE49-F238E27FC236}">
+                <a16:creationId xmlns:a16="http://schemas.microsoft.com/office/drawing/2014/main" id="{BFA6A733-A271-941B-E020-7A2161564E2E}"/>
+              </a:ext>
+            </a:extLst>
+          </p:cNvPr>
+          <p:cNvPicPr>
+            <a:picLocks noChangeAspect="1"/>
+          </p:cNvPicPr>
+          <p:nvPr/>
+        </p:nvPicPr>
+        <p:blipFill>
+          <a:blip r:embed="rId2"/>
+          <a:srcRect r="37059"/>
+          <a:stretch/>
+        </p:blipFill>
+        <p:spPr>
+          <a:xfrm>
+            <a:off x="9252455" y="3429899"/>
+            <a:ext cx="1220008" cy="488997"/>
+          </a:xfrm>
+          <a:prstGeom prst="rect">
+            <a:avLst/>
+          </a:prstGeom>
+        </p:spPr>
+      </p:pic>
+      <p:grpSp>
+        <p:nvGrpSpPr>
+          <p:cNvPr id="47" name="Group 46">
+            <a:extLst>
+              <a:ext uri="{FF2B5EF4-FFF2-40B4-BE49-F238E27FC236}">
+                <a16:creationId xmlns:a16="http://schemas.microsoft.com/office/drawing/2014/main" id="{33A685B9-950E-97C1-F9D6-EDD2DA08E055}"/>
+              </a:ext>
+            </a:extLst>
+          </p:cNvPr>
+          <p:cNvGrpSpPr/>
+          <p:nvPr/>
+        </p:nvGrpSpPr>
+        <p:grpSpPr>
+          <a:xfrm>
+            <a:off x="7101371" y="3693306"/>
+            <a:ext cx="734091" cy="279132"/>
+            <a:chOff x="6885431" y="5702808"/>
+            <a:chExt cx="1069849" cy="313944"/>
+          </a:xfrm>
+        </p:grpSpPr>
+        <p:cxnSp>
+          <p:nvCxnSpPr>
+            <p:cNvPr id="24" name="Straight Connector 23">
+              <a:extLst>
+                <a:ext uri="{FF2B5EF4-FFF2-40B4-BE49-F238E27FC236}">
+                  <a16:creationId xmlns:a16="http://schemas.microsoft.com/office/drawing/2014/main" id="{F29E3396-A0AE-BCFF-3078-F86049E77607}"/>
+                </a:ext>
+              </a:extLst>
+            </p:cNvPr>
+            <p:cNvCxnSpPr>
+              <a:cxnSpLocks/>
+            </p:cNvCxnSpPr>
+            <p:nvPr/>
+          </p:nvCxnSpPr>
+          <p:spPr>
+            <a:xfrm>
+              <a:off x="6885431" y="6016752"/>
+              <a:ext cx="182358" cy="0"/>
+            </a:xfrm>
+            <a:prstGeom prst="line">
+              <a:avLst/>
+            </a:prstGeom>
+            <a:ln w="28575">
+              <a:solidFill>
+                <a:schemeClr val="tx1"/>
+              </a:solidFill>
+            </a:ln>
+          </p:spPr>
+          <p:style>
+            <a:lnRef idx="1">
+              <a:schemeClr val="accent1"/>
+            </a:lnRef>
+            <a:fillRef idx="0">
+              <a:schemeClr val="accent1"/>
+            </a:fillRef>
+            <a:effectRef idx="0">
+              <a:schemeClr val="accent1"/>
+            </a:effectRef>
+            <a:fontRef idx="minor">
+              <a:schemeClr val="tx1"/>
+            </a:fontRef>
+          </p:style>
+        </p:cxnSp>
+        <p:cxnSp>
+          <p:nvCxnSpPr>
+            <p:cNvPr id="25" name="Straight Connector 24">
+              <a:extLst>
+                <a:ext uri="{FF2B5EF4-FFF2-40B4-BE49-F238E27FC236}">
+                  <a16:creationId xmlns:a16="http://schemas.microsoft.com/office/drawing/2014/main" id="{C001854E-97E1-C8F9-1620-F4A4CD7EF360}"/>
+                </a:ext>
+              </a:extLst>
+            </p:cNvPr>
+            <p:cNvCxnSpPr>
+              <a:cxnSpLocks/>
+            </p:cNvCxnSpPr>
+            <p:nvPr/>
+          </p:nvCxnSpPr>
+          <p:spPr>
+            <a:xfrm>
+              <a:off x="7067789" y="5705856"/>
+              <a:ext cx="0" cy="310896"/>
+            </a:xfrm>
+            <a:prstGeom prst="line">
+              <a:avLst/>
+            </a:prstGeom>
+            <a:ln w="28575">
+              <a:solidFill>
+                <a:schemeClr val="tx1"/>
+              </a:solidFill>
+            </a:ln>
+          </p:spPr>
+          <p:style>
+            <a:lnRef idx="1">
+              <a:schemeClr val="accent1"/>
+            </a:lnRef>
+            <a:fillRef idx="0">
+              <a:schemeClr val="accent1"/>
+            </a:fillRef>
+            <a:effectRef idx="0">
+              <a:schemeClr val="accent1"/>
+            </a:effectRef>
+            <a:fontRef idx="minor">
+              <a:schemeClr val="tx1"/>
+            </a:fontRef>
+          </p:style>
+        </p:cxnSp>
+        <p:cxnSp>
+          <p:nvCxnSpPr>
+            <p:cNvPr id="28" name="Straight Connector 27">
+              <a:extLst>
+                <a:ext uri="{FF2B5EF4-FFF2-40B4-BE49-F238E27FC236}">
+                  <a16:creationId xmlns:a16="http://schemas.microsoft.com/office/drawing/2014/main" id="{CB915329-6707-1C92-8D1D-4A858FD03035}"/>
+                </a:ext>
+              </a:extLst>
+            </p:cNvPr>
+            <p:cNvCxnSpPr>
+              <a:cxnSpLocks/>
+            </p:cNvCxnSpPr>
+            <p:nvPr/>
+          </p:nvCxnSpPr>
+          <p:spPr>
+            <a:xfrm>
+              <a:off x="7067789" y="5705856"/>
+              <a:ext cx="238267" cy="0"/>
+            </a:xfrm>
+            <a:prstGeom prst="line">
+              <a:avLst/>
+            </a:prstGeom>
+            <a:ln w="28575">
+              <a:solidFill>
+                <a:schemeClr val="tx1"/>
+              </a:solidFill>
+            </a:ln>
+          </p:spPr>
+          <p:style>
+            <a:lnRef idx="1">
+              <a:schemeClr val="accent1"/>
+            </a:lnRef>
+            <a:fillRef idx="0">
+              <a:schemeClr val="accent1"/>
+            </a:fillRef>
+            <a:effectRef idx="0">
+              <a:schemeClr val="accent1"/>
+            </a:effectRef>
+            <a:fontRef idx="minor">
+              <a:schemeClr val="tx1"/>
+            </a:fontRef>
+          </p:style>
+        </p:cxnSp>
+        <p:cxnSp>
+          <p:nvCxnSpPr>
+            <p:cNvPr id="31" name="Straight Connector 30">
+              <a:extLst>
+                <a:ext uri="{FF2B5EF4-FFF2-40B4-BE49-F238E27FC236}">
+                  <a16:creationId xmlns:a16="http://schemas.microsoft.com/office/drawing/2014/main" id="{E62A619B-42EE-1B30-102F-5EB1ADFEE72D}"/>
+                </a:ext>
+              </a:extLst>
+            </p:cNvPr>
+            <p:cNvCxnSpPr>
+              <a:cxnSpLocks/>
+            </p:cNvCxnSpPr>
+            <p:nvPr/>
+          </p:nvCxnSpPr>
+          <p:spPr>
+            <a:xfrm>
+              <a:off x="7306056" y="5705856"/>
+              <a:ext cx="0" cy="310896"/>
+            </a:xfrm>
+            <a:prstGeom prst="line">
+              <a:avLst/>
+            </a:prstGeom>
+            <a:ln w="28575">
+              <a:solidFill>
+                <a:schemeClr val="tx1"/>
+              </a:solidFill>
+            </a:ln>
+          </p:spPr>
+          <p:style>
+            <a:lnRef idx="1">
+              <a:schemeClr val="accent1"/>
+            </a:lnRef>
+            <a:fillRef idx="0">
+              <a:schemeClr val="accent1"/>
+            </a:fillRef>
+            <a:effectRef idx="0">
+              <a:schemeClr val="accent1"/>
+            </a:effectRef>
+            <a:fontRef idx="minor">
+              <a:schemeClr val="tx1"/>
+            </a:fontRef>
+          </p:style>
+        </p:cxnSp>
+        <p:cxnSp>
+          <p:nvCxnSpPr>
+            <p:cNvPr id="35" name="Straight Connector 34">
+              <a:extLst>
+                <a:ext uri="{FF2B5EF4-FFF2-40B4-BE49-F238E27FC236}">
+                  <a16:creationId xmlns:a16="http://schemas.microsoft.com/office/drawing/2014/main" id="{E424F982-3EB6-61E3-D4AB-70B8EAEBABF9}"/>
+                </a:ext>
+              </a:extLst>
+            </p:cNvPr>
+            <p:cNvCxnSpPr>
+              <a:cxnSpLocks/>
+            </p:cNvCxnSpPr>
+            <p:nvPr/>
+          </p:nvCxnSpPr>
+          <p:spPr>
+            <a:xfrm flipV="1">
+              <a:off x="7306056" y="6013704"/>
+              <a:ext cx="255936" cy="3048"/>
+            </a:xfrm>
+            <a:prstGeom prst="line">
+              <a:avLst/>
+            </a:prstGeom>
+            <a:ln w="28575">
+              <a:solidFill>
+                <a:schemeClr val="tx1"/>
+              </a:solidFill>
+            </a:ln>
+          </p:spPr>
+          <p:style>
+            <a:lnRef idx="1">
+              <a:schemeClr val="accent1"/>
+            </a:lnRef>
+            <a:fillRef idx="0">
+              <a:schemeClr val="accent1"/>
+            </a:fillRef>
+            <a:effectRef idx="0">
+              <a:schemeClr val="accent1"/>
+            </a:effectRef>
+            <a:fontRef idx="minor">
+              <a:schemeClr val="tx1"/>
+            </a:fontRef>
+          </p:style>
+        </p:cxnSp>
+        <p:cxnSp>
+          <p:nvCxnSpPr>
+            <p:cNvPr id="36" name="Straight Connector 35">
+              <a:extLst>
+                <a:ext uri="{FF2B5EF4-FFF2-40B4-BE49-F238E27FC236}">
+                  <a16:creationId xmlns:a16="http://schemas.microsoft.com/office/drawing/2014/main" id="{2FB1755C-3BF1-4FDF-6F65-63BC584FA75A}"/>
+                </a:ext>
+              </a:extLst>
+            </p:cNvPr>
+            <p:cNvCxnSpPr>
+              <a:cxnSpLocks/>
+            </p:cNvCxnSpPr>
+            <p:nvPr/>
+          </p:nvCxnSpPr>
+          <p:spPr>
+            <a:xfrm>
+              <a:off x="7561992" y="5702808"/>
+              <a:ext cx="0" cy="310896"/>
+            </a:xfrm>
+            <a:prstGeom prst="line">
+              <a:avLst/>
+            </a:prstGeom>
+            <a:ln w="28575">
+              <a:solidFill>
+                <a:schemeClr val="tx1"/>
+              </a:solidFill>
+            </a:ln>
+          </p:spPr>
+          <p:style>
+            <a:lnRef idx="1">
+              <a:schemeClr val="accent1"/>
+            </a:lnRef>
+            <a:fillRef idx="0">
+              <a:schemeClr val="accent1"/>
+            </a:fillRef>
+            <a:effectRef idx="0">
+              <a:schemeClr val="accent1"/>
+            </a:effectRef>
+            <a:fontRef idx="minor">
+              <a:schemeClr val="tx1"/>
+            </a:fontRef>
+          </p:style>
+        </p:cxnSp>
+        <p:cxnSp>
+          <p:nvCxnSpPr>
+            <p:cNvPr id="37" name="Straight Connector 36">
+              <a:extLst>
+                <a:ext uri="{FF2B5EF4-FFF2-40B4-BE49-F238E27FC236}">
+                  <a16:creationId xmlns:a16="http://schemas.microsoft.com/office/drawing/2014/main" id="{65F9F064-4DCF-C0C6-6255-B44E4E90F87A}"/>
+                </a:ext>
+              </a:extLst>
+            </p:cNvPr>
+            <p:cNvCxnSpPr>
+              <a:cxnSpLocks/>
+            </p:cNvCxnSpPr>
+            <p:nvPr/>
+          </p:nvCxnSpPr>
+          <p:spPr>
+            <a:xfrm>
+              <a:off x="7561992" y="5702808"/>
+              <a:ext cx="238267" cy="0"/>
+            </a:xfrm>
+            <a:prstGeom prst="line">
+              <a:avLst/>
+            </a:prstGeom>
+            <a:ln w="28575">
+              <a:solidFill>
+                <a:schemeClr val="tx1"/>
+              </a:solidFill>
+            </a:ln>
+          </p:spPr>
+          <p:style>
+            <a:lnRef idx="1">
+              <a:schemeClr val="accent1"/>
+            </a:lnRef>
+            <a:fillRef idx="0">
+              <a:schemeClr val="accent1"/>
+            </a:fillRef>
+            <a:effectRef idx="0">
+              <a:schemeClr val="accent1"/>
+            </a:effectRef>
+            <a:fontRef idx="minor">
+              <a:schemeClr val="tx1"/>
+            </a:fontRef>
+          </p:style>
+        </p:cxnSp>
+        <p:cxnSp>
+          <p:nvCxnSpPr>
+            <p:cNvPr id="38" name="Straight Connector 37">
+              <a:extLst>
+                <a:ext uri="{FF2B5EF4-FFF2-40B4-BE49-F238E27FC236}">
+                  <a16:creationId xmlns:a16="http://schemas.microsoft.com/office/drawing/2014/main" id="{1D3D0234-D350-F862-2F12-244D1312E404}"/>
+                </a:ext>
+              </a:extLst>
+            </p:cNvPr>
+            <p:cNvCxnSpPr>
+              <a:cxnSpLocks/>
+            </p:cNvCxnSpPr>
+            <p:nvPr/>
+          </p:nvCxnSpPr>
+          <p:spPr>
+            <a:xfrm>
+              <a:off x="7800259" y="5702808"/>
+              <a:ext cx="0" cy="310896"/>
+            </a:xfrm>
+            <a:prstGeom prst="line">
+              <a:avLst/>
+            </a:prstGeom>
+            <a:ln w="28575">
+              <a:solidFill>
+                <a:schemeClr val="tx1"/>
+              </a:solidFill>
+            </a:ln>
+          </p:spPr>
+          <p:style>
+            <a:lnRef idx="1">
+              <a:schemeClr val="accent1"/>
+            </a:lnRef>
+            <a:fillRef idx="0">
+              <a:schemeClr val="accent1"/>
+            </a:fillRef>
+            <a:effectRef idx="0">
+              <a:schemeClr val="accent1"/>
+            </a:effectRef>
+            <a:fontRef idx="minor">
+              <a:schemeClr val="tx1"/>
+            </a:fontRef>
+          </p:style>
+        </p:cxnSp>
+        <p:cxnSp>
+          <p:nvCxnSpPr>
+            <p:cNvPr id="44" name="Straight Connector 43">
+              <a:extLst>
+                <a:ext uri="{FF2B5EF4-FFF2-40B4-BE49-F238E27FC236}">
+                  <a16:creationId xmlns:a16="http://schemas.microsoft.com/office/drawing/2014/main" id="{E08EA389-B89A-6ECD-AFDA-FD82CEB9BF62}"/>
+                </a:ext>
+              </a:extLst>
+            </p:cNvPr>
+            <p:cNvCxnSpPr>
+              <a:cxnSpLocks/>
+            </p:cNvCxnSpPr>
+            <p:nvPr/>
+          </p:nvCxnSpPr>
+          <p:spPr>
+            <a:xfrm flipH="1">
+              <a:off x="7800259" y="6013704"/>
+              <a:ext cx="155021" cy="0"/>
+            </a:xfrm>
+            <a:prstGeom prst="line">
+              <a:avLst/>
+            </a:prstGeom>
+            <a:ln w="28575">
+              <a:solidFill>
+                <a:schemeClr val="tx1"/>
+              </a:solidFill>
+            </a:ln>
+          </p:spPr>
+          <p:style>
+            <a:lnRef idx="1">
+              <a:schemeClr val="accent1"/>
+            </a:lnRef>
+            <a:fillRef idx="0">
+              <a:schemeClr val="accent1"/>
+            </a:fillRef>
+            <a:effectRef idx="0">
+              <a:schemeClr val="accent1"/>
+            </a:effectRef>
+            <a:fontRef idx="minor">
+              <a:schemeClr val="tx1"/>
+            </a:fontRef>
+          </p:style>
+        </p:cxnSp>
+      </p:grpSp>
+    </p:spTree>
+    <p:extLst>
+      <p:ext uri="{BB962C8B-B14F-4D97-AF65-F5344CB8AC3E}">
+        <p14:creationId xmlns:p14="http://schemas.microsoft.com/office/powerpoint/2010/main" val="99590610"/>
+      </p:ext>
+    </p:extLst>
+  </p:cSld>
+  <p:clrMapOvr>
+    <a:masterClrMapping/>
+  </p:clrMapOvr>
+</p:sld>
+</file>
+
+<file path=ppt/slides/slide5.xml><?xml version="1.0" encoding="utf-8"?>
+<p:sld xmlns:a="http://schemas.openxmlformats.org/drawingml/2006/main" xmlns:r="http://schemas.openxmlformats.org/officeDocument/2006/relationships" xmlns:p="http://schemas.openxmlformats.org/presentationml/2006/main">
+  <p:cSld>
+    <p:spTree>
+      <p:nvGrpSpPr>
+        <p:cNvPr id="1" name=""/>
+        <p:cNvGrpSpPr/>
+        <p:nvPr/>
+      </p:nvGrpSpPr>
+      <p:grpSpPr>
+        <a:xfrm>
+          <a:off x="0" y="0"/>
+          <a:ext cx="0" cy="0"/>
+          <a:chOff x="0" y="0"/>
+          <a:chExt cx="0" cy="0"/>
+        </a:xfrm>
+      </p:grpSpPr>
+      <p:sp>
+        <p:nvSpPr>
+          <p:cNvPr id="2" name="Title 1">
+            <a:extLst>
+              <a:ext uri="{FF2B5EF4-FFF2-40B4-BE49-F238E27FC236}">
+                <a16:creationId xmlns:a16="http://schemas.microsoft.com/office/drawing/2014/main" id="{AE66CFE3-5B27-3F25-AD4D-6B6620B92036}"/>
+              </a:ext>
+            </a:extLst>
+          </p:cNvPr>
+          <p:cNvSpPr>
+            <a:spLocks noGrp="1"/>
+          </p:cNvSpPr>
+          <p:nvPr>
+            <p:ph type="title"/>
+          </p:nvPr>
+        </p:nvSpPr>
+        <p:spPr/>
+        <p:txBody>
+          <a:bodyPr/>
+          <a:lstStyle/>
+          <a:p>
+            <a:r>
+              <a:rPr lang="en-US" dirty="0"/>
+              <a:t>Transistors</a:t>
+            </a:r>
+          </a:p>
+        </p:txBody>
+      </p:sp>
+      <p:sp>
+        <p:nvSpPr>
+          <p:cNvPr id="3" name="Content Placeholder 2">
+            <a:extLst>
+              <a:ext uri="{FF2B5EF4-FFF2-40B4-BE49-F238E27FC236}">
+                <a16:creationId xmlns:a16="http://schemas.microsoft.com/office/drawing/2014/main" id="{8C577C38-19F9-61A0-0D8C-C231B9546522}"/>
+              </a:ext>
+            </a:extLst>
+          </p:cNvPr>
+          <p:cNvSpPr>
+            <a:spLocks noGrp="1"/>
+          </p:cNvSpPr>
+          <p:nvPr>
+            <p:ph idx="1"/>
+          </p:nvPr>
+        </p:nvSpPr>
+        <p:spPr>
+          <a:xfrm>
+            <a:off x="838200" y="1825625"/>
+            <a:ext cx="5855208" cy="4351338"/>
+          </a:xfrm>
+        </p:spPr>
+        <p:txBody>
+          <a:bodyPr/>
+          <a:lstStyle/>
+          <a:p>
+            <a:r>
+              <a:rPr lang="en-US" dirty="0"/>
+              <a:t>Building a better Triode (Tube)</a:t>
+            </a:r>
+          </a:p>
+        </p:txBody>
+      </p:sp>
+      <p:pic>
+        <p:nvPicPr>
+          <p:cNvPr id="5" name="Picture 4" descr="Several different types of electronic components&#10;&#10;AI-generated content may be incorrect.">
+            <a:extLst>
+              <a:ext uri="{FF2B5EF4-FFF2-40B4-BE49-F238E27FC236}">
+                <a16:creationId xmlns:a16="http://schemas.microsoft.com/office/drawing/2014/main" id="{AF892666-4CC3-7DD5-5364-EF5A6178A036}"/>
+              </a:ext>
+            </a:extLst>
+          </p:cNvPr>
+          <p:cNvPicPr>
+            <a:picLocks noChangeAspect="1"/>
+          </p:cNvPicPr>
+          <p:nvPr/>
+        </p:nvPicPr>
+        <p:blipFill>
+          <a:blip r:embed="rId2"/>
+          <a:stretch>
+            <a:fillRect/>
+          </a:stretch>
+        </p:blipFill>
+        <p:spPr>
+          <a:xfrm>
+            <a:off x="7552944" y="1027906"/>
+            <a:ext cx="2464410" cy="2066740"/>
+          </a:xfrm>
+          <a:prstGeom prst="rect">
+            <a:avLst/>
+          </a:prstGeom>
+        </p:spPr>
+      </p:pic>
+    </p:spTree>
+    <p:extLst>
+      <p:ext uri="{BB962C8B-B14F-4D97-AF65-F5344CB8AC3E}">
+        <p14:creationId xmlns:p14="http://schemas.microsoft.com/office/powerpoint/2010/main" val="4157517930"/>
+      </p:ext>
+    </p:extLst>
+  </p:cSld>
+  <p:clrMapOvr>
+    <a:masterClrMapping/>
+  </p:clrMapOvr>
+</p:sld>
+</file>
+
+<file path=ppt/slides/slide6.xml><?xml version="1.0" encoding="utf-8"?>
+<p:sld xmlns:a="http://schemas.openxmlformats.org/drawingml/2006/main" xmlns:r="http://schemas.openxmlformats.org/officeDocument/2006/relationships" xmlns:p="http://schemas.openxmlformats.org/presentationml/2006/main">
+  <p:cSld>
+    <p:bg>
+      <p:bgPr>
+        <a:solidFill>
+          <a:schemeClr val="bg1"/>
+        </a:solidFill>
+        <a:effectLst/>
+      </p:bgPr>
+    </p:bg>
+    <p:spTree>
+      <p:nvGrpSpPr>
+        <p:cNvPr id="1" name=""/>
+        <p:cNvGrpSpPr/>
+        <p:nvPr/>
+      </p:nvGrpSpPr>
+      <p:grpSpPr>
+        <a:xfrm>
+          <a:off x="0" y="0"/>
+          <a:ext cx="0" cy="0"/>
+          <a:chOff x="0" y="0"/>
+          <a:chExt cx="0" cy="0"/>
+        </a:xfrm>
+      </p:grpSpPr>
+      <p:sp useBgFill="1">
+        <p:nvSpPr>
+          <p:cNvPr id="12" name="Rectangle 11">
+            <a:extLst>
+              <a:ext uri="{FF2B5EF4-FFF2-40B4-BE49-F238E27FC236}">
+                <a16:creationId xmlns:a16="http://schemas.microsoft.com/office/drawing/2014/main" id="{F13C74B1-5B17-4795-BED0-7140497B445A}"/>
+              </a:ext>
+              <a:ext uri="{C183D7F6-B498-43B3-948B-1728B52AA6E4}">
+                <adec:decorative xmlns:adec="http://schemas.microsoft.com/office/drawing/2017/decorative" val="1"/>
+              </a:ext>
+            </a:extLst>
+          </p:cNvPr>
+          <p:cNvSpPr>
+            <a:spLocks noGrp="1" noRot="1" noChangeAspect="1" noMove="1" noResize="1" noEditPoints="1" noAdjustHandles="1" noChangeArrowheads="1" noChangeShapeType="1" noTextEdit="1"/>
+          </p:cNvSpPr>
+          <p:nvPr>
+            <p:extLst>
+              <p:ext uri="{386F3935-93C4-4BCD-93E2-E3B085C9AB24}">
+                <p16:designElem xmlns:p16="http://schemas.microsoft.com/office/powerpoint/2015/main" val="1"/>
+              </p:ext>
+            </p:extLst>
+          </p:nvPr>
+        </p:nvSpPr>
+        <p:spPr>
+          <a:xfrm>
+            <a:off x="0" y="0"/>
+            <a:ext cx="12188952" cy="6858000"/>
+          </a:xfrm>
+          <a:prstGeom prst="rect">
+            <a:avLst/>
+          </a:prstGeom>
+          <a:ln>
+            <a:noFill/>
+          </a:ln>
+        </p:spPr>
+        <p:style>
+          <a:lnRef idx="2">
+            <a:schemeClr val="accent1">
+              <a:shade val="50000"/>
+            </a:schemeClr>
+          </a:lnRef>
+          <a:fillRef idx="1">
+            <a:schemeClr val="accent1"/>
+          </a:fillRef>
+          <a:effectRef idx="0">
+            <a:schemeClr val="accent1"/>
+          </a:effectRef>
+          <a:fontRef idx="minor">
+            <a:schemeClr val="lt1"/>
+          </a:fontRef>
+        </p:style>
+        <p:txBody>
+          <a:bodyPr rtlCol="0" anchor="ctr"/>
+          <a:lstStyle/>
+          <a:p>
+            <a:pPr algn="ctr"/>
+            <a:endParaRPr lang="en-US"/>
+          </a:p>
+        </p:txBody>
+      </p:sp>
+      <p:sp>
+        <p:nvSpPr>
+          <p:cNvPr id="2" name="Title 1">
+            <a:extLst>
+              <a:ext uri="{FF2B5EF4-FFF2-40B4-BE49-F238E27FC236}">
+                <a16:creationId xmlns:a16="http://schemas.microsoft.com/office/drawing/2014/main" id="{4EDF1E44-A73E-2C39-F2F1-4A30238B1EAF}"/>
+              </a:ext>
+            </a:extLst>
+          </p:cNvPr>
+          <p:cNvSpPr>
+            <a:spLocks noGrp="1"/>
+          </p:cNvSpPr>
+          <p:nvPr>
+            <p:ph type="title"/>
+          </p:nvPr>
+        </p:nvSpPr>
+        <p:spPr>
+          <a:xfrm>
+            <a:off x="640080" y="325369"/>
+            <a:ext cx="4368602" cy="1956841"/>
+          </a:xfrm>
+        </p:spPr>
+        <p:txBody>
+          <a:bodyPr anchor="b">
+            <a:normAutofit/>
+          </a:bodyPr>
+          <a:lstStyle/>
+          <a:p>
+            <a:r>
+              <a:rPr lang="en-US" sz="5400" dirty="0"/>
+              <a:t>Flaws of Valves</a:t>
+            </a:r>
+          </a:p>
+        </p:txBody>
+      </p:sp>
+      <p:sp>
+        <p:nvSpPr>
+          <p:cNvPr id="14" name="sketchy line">
+            <a:extLst>
+              <a:ext uri="{FF2B5EF4-FFF2-40B4-BE49-F238E27FC236}">
+                <a16:creationId xmlns:a16="http://schemas.microsoft.com/office/drawing/2014/main" id="{D4974D33-8DC5-464E-8C6D-BE58F0669C17}"/>
+              </a:ext>
+              <a:ext uri="{C183D7F6-B498-43B3-948B-1728B52AA6E4}">
+                <adec:decorative xmlns:adec="http://schemas.microsoft.com/office/drawing/2017/decorative" val="1"/>
+              </a:ext>
+            </a:extLst>
+          </p:cNvPr>
+          <p:cNvSpPr>
+            <a:spLocks noGrp="1" noRot="1" noChangeAspect="1" noMove="1" noResize="1" noEditPoints="1" noAdjustHandles="1" noChangeArrowheads="1" noChangeShapeType="1" noTextEdit="1"/>
+          </p:cNvSpPr>
+          <p:nvPr>
+            <p:extLst>
+              <p:ext uri="{386F3935-93C4-4BCD-93E2-E3B085C9AB24}">
+                <p16:designElem xmlns:p16="http://schemas.microsoft.com/office/powerpoint/2015/main" val="1"/>
+              </p:ext>
+            </p:extLst>
+          </p:nvPr>
+        </p:nvSpPr>
+        <p:spPr>
+          <a:xfrm>
+            <a:off x="640080" y="2586994"/>
+            <a:ext cx="3474720" cy="18288"/>
+          </a:xfrm>
+          <a:custGeom>
+            <a:avLst/>
+            <a:gdLst>
+              <a:gd name="connsiteX0" fmla="*/ 0 w 3474720"/>
+              <a:gd name="connsiteY0" fmla="*/ 0 h 18288"/>
+              <a:gd name="connsiteX1" fmla="*/ 694944 w 3474720"/>
+              <a:gd name="connsiteY1" fmla="*/ 0 h 18288"/>
+              <a:gd name="connsiteX2" fmla="*/ 1355141 w 3474720"/>
+              <a:gd name="connsiteY2" fmla="*/ 0 h 18288"/>
+              <a:gd name="connsiteX3" fmla="*/ 2015338 w 3474720"/>
+              <a:gd name="connsiteY3" fmla="*/ 0 h 18288"/>
+              <a:gd name="connsiteX4" fmla="*/ 2779776 w 3474720"/>
+              <a:gd name="connsiteY4" fmla="*/ 0 h 18288"/>
+              <a:gd name="connsiteX5" fmla="*/ 3474720 w 3474720"/>
+              <a:gd name="connsiteY5" fmla="*/ 0 h 18288"/>
+              <a:gd name="connsiteX6" fmla="*/ 3474720 w 3474720"/>
+              <a:gd name="connsiteY6" fmla="*/ 18288 h 18288"/>
+              <a:gd name="connsiteX7" fmla="*/ 2779776 w 3474720"/>
+              <a:gd name="connsiteY7" fmla="*/ 18288 h 18288"/>
+              <a:gd name="connsiteX8" fmla="*/ 2189074 w 3474720"/>
+              <a:gd name="connsiteY8" fmla="*/ 18288 h 18288"/>
+              <a:gd name="connsiteX9" fmla="*/ 1528877 w 3474720"/>
+              <a:gd name="connsiteY9" fmla="*/ 18288 h 18288"/>
+              <a:gd name="connsiteX10" fmla="*/ 868680 w 3474720"/>
+              <a:gd name="connsiteY10" fmla="*/ 18288 h 18288"/>
+              <a:gd name="connsiteX11" fmla="*/ 0 w 3474720"/>
+              <a:gd name="connsiteY11" fmla="*/ 18288 h 18288"/>
+              <a:gd name="connsiteX12" fmla="*/ 0 w 3474720"/>
+              <a:gd name="connsiteY12" fmla="*/ 0 h 18288"/>
+            </a:gdLst>
+            <a:ahLst/>
+            <a:cxnLst>
+              <a:cxn ang="0">
+                <a:pos x="connsiteX0" y="connsiteY0"/>
+              </a:cxn>
+              <a:cxn ang="0">
+                <a:pos x="connsiteX1" y="connsiteY1"/>
+              </a:cxn>
+              <a:cxn ang="0">
+                <a:pos x="connsiteX2" y="connsiteY2"/>
+              </a:cxn>
+              <a:cxn ang="0">
+                <a:pos x="connsiteX3" y="connsiteY3"/>
+              </a:cxn>
+              <a:cxn ang="0">
+                <a:pos x="connsiteX4" y="connsiteY4"/>
+              </a:cxn>
+              <a:cxn ang="0">
+                <a:pos x="connsiteX5" y="connsiteY5"/>
+              </a:cxn>
+              <a:cxn ang="0">
+                <a:pos x="connsiteX6" y="connsiteY6"/>
+              </a:cxn>
+              <a:cxn ang="0">
+                <a:pos x="connsiteX7" y="connsiteY7"/>
+              </a:cxn>
+              <a:cxn ang="0">
+                <a:pos x="connsiteX8" y="connsiteY8"/>
+              </a:cxn>
+              <a:cxn ang="0">
+                <a:pos x="connsiteX9" y="connsiteY9"/>
+              </a:cxn>
+              <a:cxn ang="0">
+                <a:pos x="connsiteX10" y="connsiteY10"/>
+              </a:cxn>
+              <a:cxn ang="0">
+                <a:pos x="connsiteX11" y="connsiteY11"/>
+              </a:cxn>
+              <a:cxn ang="0">
+                <a:pos x="connsiteX12" y="connsiteY12"/>
+              </a:cxn>
+            </a:cxnLst>
+            <a:rect l="l" t="t" r="r" b="b"/>
+            <a:pathLst>
+              <a:path w="3474720" h="18288" fill="none" extrusionOk="0">
+                <a:moveTo>
+                  <a:pt x="0" y="0"/>
+                </a:moveTo>
+                <a:cubicBezTo>
+                  <a:pt x="224454" y="-14544"/>
+                  <a:pt x="495407" y="26540"/>
+                  <a:pt x="694944" y="0"/>
+                </a:cubicBezTo>
+                <a:cubicBezTo>
+                  <a:pt x="894481" y="-26540"/>
+                  <a:pt x="1130063" y="24713"/>
+                  <a:pt x="1355141" y="0"/>
+                </a:cubicBezTo>
+                <a:cubicBezTo>
+                  <a:pt x="1580219" y="-24713"/>
+                  <a:pt x="1820099" y="26695"/>
+                  <a:pt x="2015338" y="0"/>
+                </a:cubicBezTo>
+                <a:cubicBezTo>
+                  <a:pt x="2210577" y="-26695"/>
+                  <a:pt x="2402045" y="165"/>
+                  <a:pt x="2779776" y="0"/>
+                </a:cubicBezTo>
+                <a:cubicBezTo>
+                  <a:pt x="3157507" y="-165"/>
+                  <a:pt x="3286859" y="-15571"/>
+                  <a:pt x="3474720" y="0"/>
+                </a:cubicBezTo>
+                <a:cubicBezTo>
+                  <a:pt x="3474286" y="7551"/>
+                  <a:pt x="3474253" y="9822"/>
+                  <a:pt x="3474720" y="18288"/>
+                </a:cubicBezTo>
+                <a:cubicBezTo>
+                  <a:pt x="3233904" y="29845"/>
+                  <a:pt x="2945134" y="-5256"/>
+                  <a:pt x="2779776" y="18288"/>
+                </a:cubicBezTo>
+                <a:cubicBezTo>
+                  <a:pt x="2614418" y="41832"/>
+                  <a:pt x="2339768" y="22709"/>
+                  <a:pt x="2189074" y="18288"/>
+                </a:cubicBezTo>
+                <a:cubicBezTo>
+                  <a:pt x="2038380" y="13867"/>
+                  <a:pt x="1817434" y="-4947"/>
+                  <a:pt x="1528877" y="18288"/>
+                </a:cubicBezTo>
+                <a:cubicBezTo>
+                  <a:pt x="1240320" y="41523"/>
+                  <a:pt x="1042447" y="37198"/>
+                  <a:pt x="868680" y="18288"/>
+                </a:cubicBezTo>
+                <a:cubicBezTo>
+                  <a:pt x="694913" y="-622"/>
+                  <a:pt x="233232" y="44909"/>
+                  <a:pt x="0" y="18288"/>
+                </a:cubicBezTo>
+                <a:cubicBezTo>
+                  <a:pt x="60" y="11696"/>
+                  <a:pt x="66" y="3758"/>
+                  <a:pt x="0" y="0"/>
+                </a:cubicBezTo>
+                <a:close/>
+              </a:path>
+              <a:path w="3474720" h="18288" stroke="0" extrusionOk="0">
+                <a:moveTo>
+                  <a:pt x="0" y="0"/>
+                </a:moveTo>
+                <a:cubicBezTo>
+                  <a:pt x="202328" y="-14716"/>
+                  <a:pt x="332722" y="-11499"/>
+                  <a:pt x="625450" y="0"/>
+                </a:cubicBezTo>
+                <a:cubicBezTo>
+                  <a:pt x="918178" y="11499"/>
+                  <a:pt x="1096688" y="5123"/>
+                  <a:pt x="1389888" y="0"/>
+                </a:cubicBezTo>
+                <a:cubicBezTo>
+                  <a:pt x="1683088" y="-5123"/>
+                  <a:pt x="1835981" y="-14038"/>
+                  <a:pt x="1980590" y="0"/>
+                </a:cubicBezTo>
+                <a:cubicBezTo>
+                  <a:pt x="2125199" y="14038"/>
+                  <a:pt x="2396099" y="-7203"/>
+                  <a:pt x="2571293" y="0"/>
+                </a:cubicBezTo>
+                <a:cubicBezTo>
+                  <a:pt x="2746487" y="7203"/>
+                  <a:pt x="3041609" y="-12036"/>
+                  <a:pt x="3474720" y="0"/>
+                </a:cubicBezTo>
+                <a:cubicBezTo>
+                  <a:pt x="3474638" y="4406"/>
+                  <a:pt x="3474631" y="9982"/>
+                  <a:pt x="3474720" y="18288"/>
+                </a:cubicBezTo>
+                <a:cubicBezTo>
+                  <a:pt x="3324873" y="21876"/>
+                  <a:pt x="3136771" y="12587"/>
+                  <a:pt x="2814523" y="18288"/>
+                </a:cubicBezTo>
+                <a:cubicBezTo>
+                  <a:pt x="2492275" y="23989"/>
+                  <a:pt x="2294402" y="47111"/>
+                  <a:pt x="2154326" y="18288"/>
+                </a:cubicBezTo>
+                <a:cubicBezTo>
+                  <a:pt x="2014250" y="-10535"/>
+                  <a:pt x="1820317" y="33903"/>
+                  <a:pt x="1494130" y="18288"/>
+                </a:cubicBezTo>
+                <a:cubicBezTo>
+                  <a:pt x="1167943" y="2673"/>
+                  <a:pt x="948432" y="14868"/>
+                  <a:pt x="729691" y="18288"/>
+                </a:cubicBezTo>
+                <a:cubicBezTo>
+                  <a:pt x="510950" y="21708"/>
+                  <a:pt x="264032" y="24354"/>
+                  <a:pt x="0" y="18288"/>
+                </a:cubicBezTo>
+                <a:cubicBezTo>
+                  <a:pt x="189" y="14288"/>
+                  <a:pt x="-703" y="3747"/>
+                  <a:pt x="0" y="0"/>
+                </a:cubicBezTo>
+                <a:close/>
+              </a:path>
+            </a:pathLst>
+          </a:custGeom>
+          <a:solidFill>
+            <a:schemeClr val="accent2"/>
+          </a:solidFill>
+          <a:ln w="44450" cap="rnd">
+            <a:solidFill>
+              <a:schemeClr val="accent2"/>
+            </a:solidFill>
+            <a:round/>
+            <a:extLst>
+              <a:ext uri="{C807C97D-BFC1-408E-A445-0C87EB9F89A2}">
+                <ask:lineSketchStyleProps xmlns:ask="http://schemas.microsoft.com/office/drawing/2018/sketchyshapes" sd="2863741219">
+                  <a:prstGeom prst="rect">
+                    <a:avLst/>
+                  </a:prstGeom>
+                  <ask:type>
+                    <ask:lineSketchFreehand/>
+                  </ask:type>
+                </ask:lineSketchStyleProps>
+              </a:ext>
+            </a:extLst>
+          </a:ln>
+        </p:spPr>
+        <p:style>
+          <a:lnRef idx="2">
+            <a:schemeClr val="accent1">
+              <a:shade val="50000"/>
+            </a:schemeClr>
+          </a:lnRef>
+          <a:fillRef idx="1">
+            <a:schemeClr val="accent1"/>
+          </a:fillRef>
+          <a:effectRef idx="0">
+            <a:schemeClr val="accent1"/>
+          </a:effectRef>
+          <a:fontRef idx="minor">
+            <a:schemeClr val="lt1"/>
+          </a:fontRef>
+        </p:style>
+        <p:txBody>
+          <a:bodyPr rtlCol="0" anchor="ctr"/>
+          <a:lstStyle/>
+          <a:p>
+            <a:pPr algn="ctr"/>
+            <a:endParaRPr lang="en-US"/>
+          </a:p>
+        </p:txBody>
+      </p:sp>
+      <p:sp>
+        <p:nvSpPr>
+          <p:cNvPr id="3" name="Content Placeholder 2">
+            <a:extLst>
+              <a:ext uri="{FF2B5EF4-FFF2-40B4-BE49-F238E27FC236}">
+                <a16:creationId xmlns:a16="http://schemas.microsoft.com/office/drawing/2014/main" id="{34EAB591-DA80-BCEB-8C90-F9F3D3351555}"/>
+              </a:ext>
+            </a:extLst>
+          </p:cNvPr>
+          <p:cNvSpPr>
+            <a:spLocks noGrp="1"/>
+          </p:cNvSpPr>
+          <p:nvPr>
+            <p:ph idx="1"/>
+          </p:nvPr>
+        </p:nvSpPr>
+        <p:spPr>
+          <a:xfrm>
+            <a:off x="640080" y="2872899"/>
+            <a:ext cx="4243589" cy="3320668"/>
+          </a:xfrm>
+        </p:spPr>
+        <p:txBody>
+          <a:bodyPr>
+            <a:normAutofit/>
+          </a:bodyPr>
+          <a:lstStyle/>
+          <a:p>
+            <a:r>
+              <a:rPr lang="en-US" sz="2000" dirty="0"/>
+              <a:t>Take lots of power per switch / bit</a:t>
+            </a:r>
+          </a:p>
+          <a:p>
+            <a:r>
+              <a:rPr lang="en-US" sz="2000" dirty="0"/>
+              <a:t>Lots of heat because each tube usually had a heater to make it easier to generate ions</a:t>
+            </a:r>
+          </a:p>
+          <a:p>
+            <a:r>
+              <a:rPr lang="en-US" sz="2000" dirty="0"/>
+              <a:t>Physically large</a:t>
+            </a:r>
+          </a:p>
+          <a:p>
+            <a:r>
+              <a:rPr lang="en-US" sz="2000" dirty="0"/>
+              <a:t>Expensive to manufacture</a:t>
+            </a:r>
+          </a:p>
+          <a:p>
+            <a:r>
+              <a:rPr lang="en-US" sz="2000" dirty="0"/>
+              <a:t>Made a comforting humming noise</a:t>
+            </a:r>
+          </a:p>
+          <a:p>
+            <a:r>
+              <a:rPr lang="en-US" sz="2000" dirty="0"/>
+              <a:t>Electronic glow in the dark</a:t>
+            </a:r>
+          </a:p>
+        </p:txBody>
+      </p:sp>
+      <p:pic>
+        <p:nvPicPr>
+          <p:cNvPr id="5" name="Picture 4" descr="A close-up of a glass jar&#10;&#10;AI-generated content may be incorrect.">
+            <a:extLst>
+              <a:ext uri="{FF2B5EF4-FFF2-40B4-BE49-F238E27FC236}">
+                <a16:creationId xmlns:a16="http://schemas.microsoft.com/office/drawing/2014/main" id="{C76B073A-4751-D6E1-E61B-01D3ED3EC0DF}"/>
+              </a:ext>
+            </a:extLst>
+          </p:cNvPr>
+          <p:cNvPicPr>
+            <a:picLocks noChangeAspect="1"/>
+          </p:cNvPicPr>
+          <p:nvPr/>
+        </p:nvPicPr>
+        <p:blipFill>
+          <a:blip r:embed="rId2"/>
+          <a:srcRect r="1" b="39185"/>
+          <a:stretch>
+            <a:fillRect/>
+          </a:stretch>
+        </p:blipFill>
+        <p:spPr>
+          <a:xfrm>
+            <a:off x="5311702" y="10"/>
+            <a:ext cx="6878775" cy="6857990"/>
+          </a:xfrm>
+          <a:custGeom>
+            <a:avLst/>
+            <a:gdLst/>
+            <a:ahLst/>
+            <a:cxnLst/>
+            <a:rect l="l" t="t" r="r" b="b"/>
+            <a:pathLst>
+              <a:path w="6878775" h="6858000">
+                <a:moveTo>
+                  <a:pt x="1102973" y="0"/>
+                </a:moveTo>
+                <a:lnTo>
+                  <a:pt x="1160688" y="0"/>
+                </a:lnTo>
+                <a:lnTo>
+                  <a:pt x="983189" y="331786"/>
+                </a:lnTo>
+                <a:cubicBezTo>
+                  <a:pt x="914866" y="469145"/>
+                  <a:pt x="850355" y="608712"/>
+                  <a:pt x="789261" y="750263"/>
+                </a:cubicBezTo>
+                <a:cubicBezTo>
+                  <a:pt x="774307" y="784928"/>
+                  <a:pt x="759992" y="819849"/>
+                  <a:pt x="745295" y="854514"/>
+                </a:cubicBezTo>
+                <a:cubicBezTo>
+                  <a:pt x="756682" y="845393"/>
+                  <a:pt x="765489" y="833492"/>
+                  <a:pt x="770857" y="819975"/>
+                </a:cubicBezTo>
+                <a:cubicBezTo>
+                  <a:pt x="879943" y="589569"/>
+                  <a:pt x="999605" y="365513"/>
+                  <a:pt x="1131329" y="148742"/>
+                </a:cubicBezTo>
+                <a:lnTo>
+                  <a:pt x="1227589" y="0"/>
+                </a:lnTo>
+                <a:lnTo>
+                  <a:pt x="6878775" y="0"/>
+                </a:lnTo>
+                <a:lnTo>
+                  <a:pt x="6878775" y="6858000"/>
+                </a:lnTo>
+                <a:lnTo>
+                  <a:pt x="713521" y="6858000"/>
+                </a:lnTo>
+                <a:lnTo>
+                  <a:pt x="625642" y="6670527"/>
+                </a:lnTo>
+                <a:cubicBezTo>
+                  <a:pt x="507232" y="6398531"/>
+                  <a:pt x="403083" y="6118381"/>
+                  <a:pt x="312785" y="5830359"/>
+                </a:cubicBezTo>
+                <a:cubicBezTo>
+                  <a:pt x="278149" y="5719759"/>
+                  <a:pt x="248879" y="5607635"/>
+                  <a:pt x="212198" y="5480401"/>
+                </a:cubicBezTo>
+                <a:cubicBezTo>
+                  <a:pt x="212208" y="5491601"/>
+                  <a:pt x="212803" y="5502788"/>
+                  <a:pt x="213988" y="5513923"/>
+                </a:cubicBezTo>
+                <a:cubicBezTo>
+                  <a:pt x="264089" y="5723695"/>
+                  <a:pt x="307290" y="5935370"/>
+                  <a:pt x="365826" y="6142729"/>
+                </a:cubicBezTo>
+                <a:cubicBezTo>
+                  <a:pt x="433152" y="6380817"/>
+                  <a:pt x="510068" y="6614016"/>
+                  <a:pt x="597975" y="6841549"/>
+                </a:cubicBezTo>
+                <a:lnTo>
+                  <a:pt x="604824" y="6858000"/>
+                </a:lnTo>
+                <a:lnTo>
+                  <a:pt x="552056" y="6858000"/>
+                </a:lnTo>
+                <a:lnTo>
+                  <a:pt x="539576" y="6828295"/>
+                </a:lnTo>
+                <a:cubicBezTo>
+                  <a:pt x="380597" y="6414594"/>
+                  <a:pt x="260223" y="5988893"/>
+                  <a:pt x="171555" y="5552906"/>
+                </a:cubicBezTo>
+                <a:cubicBezTo>
+                  <a:pt x="91163" y="5157998"/>
+                  <a:pt x="43746" y="4758899"/>
+                  <a:pt x="12305" y="4357388"/>
+                </a:cubicBezTo>
+                <a:cubicBezTo>
+                  <a:pt x="-14281" y="4013908"/>
+                  <a:pt x="4507" y="3672965"/>
+                  <a:pt x="46684" y="3331516"/>
+                </a:cubicBezTo>
+                <a:cubicBezTo>
+                  <a:pt x="127203" y="2664286"/>
+                  <a:pt x="277819" y="2007265"/>
+                  <a:pt x="496065" y="1371196"/>
+                </a:cubicBezTo>
+                <a:cubicBezTo>
+                  <a:pt x="636273" y="966066"/>
+                  <a:pt x="800445" y="573253"/>
+                  <a:pt x="995723" y="196614"/>
+                </a:cubicBezTo>
+                <a:close/>
+              </a:path>
+            </a:pathLst>
+          </a:custGeom>
+        </p:spPr>
+      </p:pic>
+      <p:sp>
+        <p:nvSpPr>
+          <p:cNvPr id="7" name="TextBox 6">
+            <a:extLst>
+              <a:ext uri="{FF2B5EF4-FFF2-40B4-BE49-F238E27FC236}">
+                <a16:creationId xmlns:a16="http://schemas.microsoft.com/office/drawing/2014/main" id="{4BA2867E-D1C2-EC0F-8A28-FDC1FBEC1706}"/>
+              </a:ext>
+            </a:extLst>
+          </p:cNvPr>
+          <p:cNvSpPr txBox="1"/>
+          <p:nvPr/>
+        </p:nvSpPr>
+        <p:spPr>
+          <a:xfrm>
+            <a:off x="7738110" y="6008901"/>
+            <a:ext cx="4551426" cy="369332"/>
+          </a:xfrm>
+          <a:prstGeom prst="rect">
+            <a:avLst/>
+          </a:prstGeom>
+          <a:noFill/>
+        </p:spPr>
+        <p:txBody>
+          <a:bodyPr wrap="square">
+            <a:spAutoFit/>
+          </a:bodyPr>
+          <a:lstStyle/>
+          <a:p>
+            <a:pPr>
+              <a:spcAft>
+                <a:spcPts val="600"/>
+              </a:spcAft>
+            </a:pPr>
+            <a:r>
+              <a:rPr lang="en-US" dirty="0">
+                <a:solidFill>
+                  <a:schemeClr val="bg1"/>
+                </a:solidFill>
+              </a:rPr>
+              <a:t>https://</a:t>
+            </a:r>
+            <a:r>
+              <a:rPr lang="en-US" dirty="0" err="1">
+                <a:solidFill>
+                  <a:schemeClr val="bg1"/>
+                </a:solidFill>
+              </a:rPr>
+              <a:t>en.wikipedia.org</a:t>
+            </a:r>
+            <a:r>
+              <a:rPr lang="en-US" dirty="0">
+                <a:solidFill>
+                  <a:schemeClr val="bg1"/>
+                </a:solidFill>
+              </a:rPr>
+              <a:t>/wiki/</a:t>
+            </a:r>
+            <a:r>
+              <a:rPr lang="en-US" dirty="0" err="1">
+                <a:solidFill>
+                  <a:schemeClr val="bg1"/>
+                </a:solidFill>
+              </a:rPr>
+              <a:t>Valve_amplifier</a:t>
+            </a:r>
+            <a:endParaRPr lang="en-US" dirty="0">
+              <a:solidFill>
+                <a:schemeClr val="bg1"/>
+              </a:solidFill>
+            </a:endParaRPr>
+          </a:p>
+        </p:txBody>
+      </p:sp>
+    </p:spTree>
+    <p:extLst>
+      <p:ext uri="{BB962C8B-B14F-4D97-AF65-F5344CB8AC3E}">
+        <p14:creationId xmlns:p14="http://schemas.microsoft.com/office/powerpoint/2010/main" val="1533246819"/>
       </p:ext>
     </p:extLst>
   </p:cSld>

--- a/lectures/02-SolidState.pptx
+++ b/lectures/02-SolidState.pptx
@@ -202,7 +202,7 @@
           <a:p>
             <a:fld id="{1C74C8C0-0C1E-D447-A6DA-5BF9E732D1EF}" type="datetimeFigureOut">
               <a:rPr lang="en-US" smtClean="0"/>
-              <a:t>8/11/25</a:t>
+              <a:t>8/12/25</a:t>
             </a:fld>
             <a:endParaRPr lang="en-US"/>
           </a:p>
@@ -616,7 +616,7 @@
           <a:p>
             <a:fld id="{D5D8E255-8371-B349-B2F5-F8C6C9FF431B}" type="datetimeFigureOut">
               <a:rPr lang="en-US" smtClean="0"/>
-              <a:t>8/11/25</a:t>
+              <a:t>8/12/25</a:t>
             </a:fld>
             <a:endParaRPr lang="en-US"/>
           </a:p>
@@ -814,7 +814,7 @@
           <a:p>
             <a:fld id="{D5D8E255-8371-B349-B2F5-F8C6C9FF431B}" type="datetimeFigureOut">
               <a:rPr lang="en-US" smtClean="0"/>
-              <a:t>8/11/25</a:t>
+              <a:t>8/12/25</a:t>
             </a:fld>
             <a:endParaRPr lang="en-US"/>
           </a:p>
@@ -1022,7 +1022,7 @@
           <a:p>
             <a:fld id="{D5D8E255-8371-B349-B2F5-F8C6C9FF431B}" type="datetimeFigureOut">
               <a:rPr lang="en-US" smtClean="0"/>
-              <a:t>8/11/25</a:t>
+              <a:t>8/12/25</a:t>
             </a:fld>
             <a:endParaRPr lang="en-US"/>
           </a:p>
@@ -1220,7 +1220,7 @@
           <a:p>
             <a:fld id="{D5D8E255-8371-B349-B2F5-F8C6C9FF431B}" type="datetimeFigureOut">
               <a:rPr lang="en-US" smtClean="0"/>
-              <a:t>8/11/25</a:t>
+              <a:t>8/12/25</a:t>
             </a:fld>
             <a:endParaRPr lang="en-US"/>
           </a:p>
@@ -1495,7 +1495,7 @@
           <a:p>
             <a:fld id="{D5D8E255-8371-B349-B2F5-F8C6C9FF431B}" type="datetimeFigureOut">
               <a:rPr lang="en-US" smtClean="0"/>
-              <a:t>8/11/25</a:t>
+              <a:t>8/12/25</a:t>
             </a:fld>
             <a:endParaRPr lang="en-US"/>
           </a:p>
@@ -1760,7 +1760,7 @@
           <a:p>
             <a:fld id="{D5D8E255-8371-B349-B2F5-F8C6C9FF431B}" type="datetimeFigureOut">
               <a:rPr lang="en-US" smtClean="0"/>
-              <a:t>8/11/25</a:t>
+              <a:t>8/12/25</a:t>
             </a:fld>
             <a:endParaRPr lang="en-US"/>
           </a:p>
@@ -2172,7 +2172,7 @@
           <a:p>
             <a:fld id="{D5D8E255-8371-B349-B2F5-F8C6C9FF431B}" type="datetimeFigureOut">
               <a:rPr lang="en-US" smtClean="0"/>
-              <a:t>8/11/25</a:t>
+              <a:t>8/12/25</a:t>
             </a:fld>
             <a:endParaRPr lang="en-US"/>
           </a:p>
@@ -2313,7 +2313,7 @@
           <a:p>
             <a:fld id="{D5D8E255-8371-B349-B2F5-F8C6C9FF431B}" type="datetimeFigureOut">
               <a:rPr lang="en-US" smtClean="0"/>
-              <a:t>8/11/25</a:t>
+              <a:t>8/12/25</a:t>
             </a:fld>
             <a:endParaRPr lang="en-US"/>
           </a:p>
@@ -2426,7 +2426,7 @@
           <a:p>
             <a:fld id="{D5D8E255-8371-B349-B2F5-F8C6C9FF431B}" type="datetimeFigureOut">
               <a:rPr lang="en-US" smtClean="0"/>
-              <a:t>8/11/25</a:t>
+              <a:t>8/12/25</a:t>
             </a:fld>
             <a:endParaRPr lang="en-US"/>
           </a:p>
@@ -2737,7 +2737,7 @@
           <a:p>
             <a:fld id="{D5D8E255-8371-B349-B2F5-F8C6C9FF431B}" type="datetimeFigureOut">
               <a:rPr lang="en-US" smtClean="0"/>
-              <a:t>8/11/25</a:t>
+              <a:t>8/12/25</a:t>
             </a:fld>
             <a:endParaRPr lang="en-US"/>
           </a:p>
@@ -3025,7 +3025,7 @@
           <a:p>
             <a:fld id="{D5D8E255-8371-B349-B2F5-F8C6C9FF431B}" type="datetimeFigureOut">
               <a:rPr lang="en-US" smtClean="0"/>
-              <a:t>8/11/25</a:t>
+              <a:t>8/12/25</a:t>
             </a:fld>
             <a:endParaRPr lang="en-US"/>
           </a:p>
@@ -3266,7 +3266,7 @@
           <a:p>
             <a:fld id="{D5D8E255-8371-B349-B2F5-F8C6C9FF431B}" type="datetimeFigureOut">
               <a:rPr lang="en-US" smtClean="0"/>
-              <a:t>8/11/25</a:t>
+              <a:t>8/12/25</a:t>
             </a:fld>
             <a:endParaRPr lang="en-US"/>
           </a:p>
